--- a/images/Figure.pptx
+++ b/images/Figure.pptx
@@ -5,10 +5,11 @@
     <p:sldMasterId id="2147483648" r:id="rId1"/>
   </p:sldMasterIdLst>
   <p:notesMasterIdLst>
-    <p:notesMasterId r:id="rId3"/>
+    <p:notesMasterId r:id="rId4"/>
   </p:notesMasterIdLst>
   <p:sldIdLst>
     <p:sldId id="274" r:id="rId2"/>
+    <p:sldId id="275" r:id="rId3"/>
   </p:sldIdLst>
   <p:sldSz cx="9144000" cy="6858000" type="screen4x3"/>
   <p:notesSz cx="6797675" cy="9926638"/>
@@ -192,7 +193,7 @@
           <a:p>
             <a:fld id="{B128444A-E8C5-4F0C-BB3E-6DC882EFD45E}" type="datetimeFigureOut">
               <a:rPr kumimoji="1" lang="ja-JP" altLang="en-US" smtClean="0"/>
-              <a:t>2014/1/15</a:t>
+              <a:t>2014/12/15</a:t>
             </a:fld>
             <a:endParaRPr kumimoji="1" lang="ja-JP" altLang="en-US"/>
           </a:p>
@@ -673,43 +674,8 @@
           <a:p>
             <a:fld id="{98CA5088-1DB9-45F3-9CA5-1754A7FC21E2}" type="datetime1">
               <a:rPr kumimoji="1" lang="ja-JP" altLang="en-US" smtClean="0"/>
-              <a:t>2014/1/15</a:t>
+              <a:t>2014/12/15</a:t>
             </a:fld>
-            <a:endParaRPr kumimoji="1" lang="ja-JP" altLang="en-US"/>
-          </a:p>
-        </p:txBody>
-      </p:sp>
-      <p:sp>
-        <p:nvSpPr>
-          <p:cNvPr id="5" name="フッター プレースホルダー 4"/>
-          <p:cNvSpPr>
-            <a:spLocks noGrp="1"/>
-          </p:cNvSpPr>
-          <p:nvPr>
-            <p:ph type="ftr" sz="quarter" idx="11"/>
-          </p:nvPr>
-        </p:nvSpPr>
-        <p:spPr/>
-        <p:txBody>
-          <a:bodyPr/>
-          <a:lstStyle/>
-          <a:p>
-            <a:r>
-              <a:rPr kumimoji="1" lang="en-US" altLang="zh-TW" smtClean="0"/>
-              <a:t>BFP</a:t>
-            </a:r>
-            <a:r>
-              <a:rPr kumimoji="1" lang="zh-TW" altLang="en-US" smtClean="0"/>
-              <a:t>社内検証環境構成　</a:t>
-            </a:r>
-            <a:r>
-              <a:rPr kumimoji="1" lang="en-US" altLang="zh-TW" smtClean="0"/>
-              <a:t>0.2</a:t>
-            </a:r>
-            <a:r>
-              <a:rPr kumimoji="1" lang="zh-TW" altLang="en-US" smtClean="0"/>
-              <a:t>版</a:t>
-            </a:r>
             <a:endParaRPr kumimoji="1" lang="ja-JP" altLang="en-US"/>
           </a:p>
         </p:txBody>
@@ -898,43 +864,8 @@
           <a:p>
             <a:fld id="{F08598D1-33B5-4C12-8533-694C8278BD99}" type="datetime1">
               <a:rPr kumimoji="1" lang="ja-JP" altLang="en-US" smtClean="0"/>
-              <a:t>2014/1/15</a:t>
+              <a:t>2014/12/15</a:t>
             </a:fld>
-            <a:endParaRPr kumimoji="1" lang="ja-JP" altLang="en-US"/>
-          </a:p>
-        </p:txBody>
-      </p:sp>
-      <p:sp>
-        <p:nvSpPr>
-          <p:cNvPr id="5" name="フッター プレースホルダー 4"/>
-          <p:cNvSpPr>
-            <a:spLocks noGrp="1"/>
-          </p:cNvSpPr>
-          <p:nvPr>
-            <p:ph type="ftr" sz="quarter" idx="11"/>
-          </p:nvPr>
-        </p:nvSpPr>
-        <p:spPr/>
-        <p:txBody>
-          <a:bodyPr/>
-          <a:lstStyle/>
-          <a:p>
-            <a:r>
-              <a:rPr kumimoji="1" lang="en-US" altLang="zh-TW" smtClean="0"/>
-              <a:t>BFP</a:t>
-            </a:r>
-            <a:r>
-              <a:rPr kumimoji="1" lang="zh-TW" altLang="en-US" smtClean="0"/>
-              <a:t>社内検証環境構成　</a:t>
-            </a:r>
-            <a:r>
-              <a:rPr kumimoji="1" lang="en-US" altLang="zh-TW" smtClean="0"/>
-              <a:t>0.2</a:t>
-            </a:r>
-            <a:r>
-              <a:rPr kumimoji="1" lang="zh-TW" altLang="en-US" smtClean="0"/>
-              <a:t>版</a:t>
-            </a:r>
             <a:endParaRPr kumimoji="1" lang="ja-JP" altLang="en-US"/>
           </a:p>
         </p:txBody>
@@ -1126,43 +1057,8 @@
           <a:p>
             <a:fld id="{365CFD91-A1FD-4041-8CAD-56BAB71044E2}" type="datetime1">
               <a:rPr kumimoji="1" lang="ja-JP" altLang="en-US" smtClean="0"/>
-              <a:t>2014/1/15</a:t>
+              <a:t>2014/12/15</a:t>
             </a:fld>
-            <a:endParaRPr kumimoji="1" lang="ja-JP" altLang="en-US"/>
-          </a:p>
-        </p:txBody>
-      </p:sp>
-      <p:sp>
-        <p:nvSpPr>
-          <p:cNvPr id="5" name="フッター プレースホルダー 4"/>
-          <p:cNvSpPr>
-            <a:spLocks noGrp="1"/>
-          </p:cNvSpPr>
-          <p:nvPr>
-            <p:ph type="ftr" sz="quarter" idx="11"/>
-          </p:nvPr>
-        </p:nvSpPr>
-        <p:spPr/>
-        <p:txBody>
-          <a:bodyPr/>
-          <a:lstStyle/>
-          <a:p>
-            <a:r>
-              <a:rPr kumimoji="1" lang="en-US" altLang="zh-TW" smtClean="0"/>
-              <a:t>BFP</a:t>
-            </a:r>
-            <a:r>
-              <a:rPr kumimoji="1" lang="zh-TW" altLang="en-US" smtClean="0"/>
-              <a:t>社内検証環境構成　</a:t>
-            </a:r>
-            <a:r>
-              <a:rPr kumimoji="1" lang="en-US" altLang="zh-TW" smtClean="0"/>
-              <a:t>0.2</a:t>
-            </a:r>
-            <a:r>
-              <a:rPr kumimoji="1" lang="zh-TW" altLang="en-US" smtClean="0"/>
-              <a:t>版</a:t>
-            </a:r>
             <a:endParaRPr kumimoji="1" lang="ja-JP" altLang="en-US"/>
           </a:p>
         </p:txBody>
@@ -1360,43 +1256,8 @@
           <a:p>
             <a:fld id="{D5DA7B09-BD3A-4232-ACF7-EE15780F0CC0}" type="datetime1">
               <a:rPr kumimoji="1" lang="ja-JP" altLang="en-US" smtClean="0"/>
-              <a:t>2014/1/15</a:t>
+              <a:t>2014/12/15</a:t>
             </a:fld>
-            <a:endParaRPr kumimoji="1" lang="ja-JP" altLang="en-US"/>
-          </a:p>
-        </p:txBody>
-      </p:sp>
-      <p:sp>
-        <p:nvSpPr>
-          <p:cNvPr id="5" name="フッター プレースホルダー 4"/>
-          <p:cNvSpPr>
-            <a:spLocks noGrp="1"/>
-          </p:cNvSpPr>
-          <p:nvPr>
-            <p:ph type="ftr" sz="quarter" idx="11"/>
-          </p:nvPr>
-        </p:nvSpPr>
-        <p:spPr/>
-        <p:txBody>
-          <a:bodyPr/>
-          <a:lstStyle/>
-          <a:p>
-            <a:r>
-              <a:rPr kumimoji="1" lang="en-US" altLang="zh-TW" smtClean="0"/>
-              <a:t>BFP</a:t>
-            </a:r>
-            <a:r>
-              <a:rPr kumimoji="1" lang="zh-TW" altLang="en-US" smtClean="0"/>
-              <a:t>社内検証環境構成　</a:t>
-            </a:r>
-            <a:r>
-              <a:rPr kumimoji="1" lang="en-US" altLang="zh-TW" smtClean="0"/>
-              <a:t>0.2</a:t>
-            </a:r>
-            <a:r>
-              <a:rPr kumimoji="1" lang="zh-TW" altLang="en-US" smtClean="0"/>
-              <a:t>版</a:t>
-            </a:r>
             <a:endParaRPr kumimoji="1" lang="ja-JP" altLang="en-US"/>
           </a:p>
         </p:txBody>
@@ -1629,43 +1490,8 @@
           <a:p>
             <a:fld id="{0D0D1810-8CDE-4EB3-A610-E546E3279C42}" type="datetime1">
               <a:rPr kumimoji="1" lang="ja-JP" altLang="en-US" smtClean="0"/>
-              <a:t>2014/1/15</a:t>
+              <a:t>2014/12/15</a:t>
             </a:fld>
-            <a:endParaRPr kumimoji="1" lang="ja-JP" altLang="en-US"/>
-          </a:p>
-        </p:txBody>
-      </p:sp>
-      <p:sp>
-        <p:nvSpPr>
-          <p:cNvPr id="5" name="フッター プレースホルダー 4"/>
-          <p:cNvSpPr>
-            <a:spLocks noGrp="1"/>
-          </p:cNvSpPr>
-          <p:nvPr>
-            <p:ph type="ftr" sz="quarter" idx="11"/>
-          </p:nvPr>
-        </p:nvSpPr>
-        <p:spPr/>
-        <p:txBody>
-          <a:bodyPr/>
-          <a:lstStyle/>
-          <a:p>
-            <a:r>
-              <a:rPr kumimoji="1" lang="en-US" altLang="zh-TW" smtClean="0"/>
-              <a:t>BFP</a:t>
-            </a:r>
-            <a:r>
-              <a:rPr kumimoji="1" lang="zh-TW" altLang="en-US" smtClean="0"/>
-              <a:t>社内検証環境構成　</a:t>
-            </a:r>
-            <a:r>
-              <a:rPr kumimoji="1" lang="en-US" altLang="zh-TW" smtClean="0"/>
-              <a:t>0.2</a:t>
-            </a:r>
-            <a:r>
-              <a:rPr kumimoji="1" lang="zh-TW" altLang="en-US" smtClean="0"/>
-              <a:t>版</a:t>
-            </a:r>
             <a:endParaRPr kumimoji="1" lang="ja-JP" altLang="en-US"/>
           </a:p>
         </p:txBody>
@@ -2004,43 +1830,8 @@
           <a:p>
             <a:fld id="{5F510316-3E58-4FB0-A691-69A3A53E6EA4}" type="datetime1">
               <a:rPr kumimoji="1" lang="ja-JP" altLang="en-US" smtClean="0"/>
-              <a:t>2014/1/15</a:t>
+              <a:t>2014/12/15</a:t>
             </a:fld>
-            <a:endParaRPr kumimoji="1" lang="ja-JP" altLang="en-US"/>
-          </a:p>
-        </p:txBody>
-      </p:sp>
-      <p:sp>
-        <p:nvSpPr>
-          <p:cNvPr id="6" name="フッター プレースホルダー 5"/>
-          <p:cNvSpPr>
-            <a:spLocks noGrp="1"/>
-          </p:cNvSpPr>
-          <p:nvPr>
-            <p:ph type="ftr" sz="quarter" idx="11"/>
-          </p:nvPr>
-        </p:nvSpPr>
-        <p:spPr/>
-        <p:txBody>
-          <a:bodyPr/>
-          <a:lstStyle/>
-          <a:p>
-            <a:r>
-              <a:rPr kumimoji="1" lang="en-US" altLang="zh-TW" smtClean="0"/>
-              <a:t>BFP</a:t>
-            </a:r>
-            <a:r>
-              <a:rPr kumimoji="1" lang="zh-TW" altLang="en-US" smtClean="0"/>
-              <a:t>社内検証環境構成　</a:t>
-            </a:r>
-            <a:r>
-              <a:rPr kumimoji="1" lang="en-US" altLang="zh-TW" smtClean="0"/>
-              <a:t>0.2</a:t>
-            </a:r>
-            <a:r>
-              <a:rPr kumimoji="1" lang="zh-TW" altLang="en-US" smtClean="0"/>
-              <a:t>版</a:t>
-            </a:r>
             <a:endParaRPr kumimoji="1" lang="ja-JP" altLang="en-US"/>
           </a:p>
         </p:txBody>
@@ -2513,43 +2304,8 @@
           <a:p>
             <a:fld id="{D343C661-5868-4D02-BEA3-E5C82AC3A65B}" type="datetime1">
               <a:rPr kumimoji="1" lang="ja-JP" altLang="en-US" smtClean="0"/>
-              <a:t>2014/1/15</a:t>
+              <a:t>2014/12/15</a:t>
             </a:fld>
-            <a:endParaRPr kumimoji="1" lang="ja-JP" altLang="en-US"/>
-          </a:p>
-        </p:txBody>
-      </p:sp>
-      <p:sp>
-        <p:nvSpPr>
-          <p:cNvPr id="8" name="フッター プレースホルダー 7"/>
-          <p:cNvSpPr>
-            <a:spLocks noGrp="1"/>
-          </p:cNvSpPr>
-          <p:nvPr>
-            <p:ph type="ftr" sz="quarter" idx="11"/>
-          </p:nvPr>
-        </p:nvSpPr>
-        <p:spPr/>
-        <p:txBody>
-          <a:bodyPr/>
-          <a:lstStyle/>
-          <a:p>
-            <a:r>
-              <a:rPr kumimoji="1" lang="en-US" altLang="zh-TW" smtClean="0"/>
-              <a:t>BFP</a:t>
-            </a:r>
-            <a:r>
-              <a:rPr kumimoji="1" lang="zh-TW" altLang="en-US" smtClean="0"/>
-              <a:t>社内検証環境構成　</a:t>
-            </a:r>
-            <a:r>
-              <a:rPr kumimoji="1" lang="en-US" altLang="zh-TW" smtClean="0"/>
-              <a:t>0.2</a:t>
-            </a:r>
-            <a:r>
-              <a:rPr kumimoji="1" lang="zh-TW" altLang="en-US" smtClean="0"/>
-              <a:t>版</a:t>
-            </a:r>
             <a:endParaRPr kumimoji="1" lang="ja-JP" altLang="en-US"/>
           </a:p>
         </p:txBody>
@@ -2647,43 +2403,8 @@
           <a:p>
             <a:fld id="{0F16E0ED-2220-4309-9B14-0B2F39EC8D3F}" type="datetime1">
               <a:rPr kumimoji="1" lang="ja-JP" altLang="en-US" smtClean="0"/>
-              <a:t>2014/1/15</a:t>
+              <a:t>2014/12/15</a:t>
             </a:fld>
-            <a:endParaRPr kumimoji="1" lang="ja-JP" altLang="en-US"/>
-          </a:p>
-        </p:txBody>
-      </p:sp>
-      <p:sp>
-        <p:nvSpPr>
-          <p:cNvPr id="4" name="フッター プレースホルダー 3"/>
-          <p:cNvSpPr>
-            <a:spLocks noGrp="1"/>
-          </p:cNvSpPr>
-          <p:nvPr>
-            <p:ph type="ftr" sz="quarter" idx="11"/>
-          </p:nvPr>
-        </p:nvSpPr>
-        <p:spPr/>
-        <p:txBody>
-          <a:bodyPr/>
-          <a:lstStyle/>
-          <a:p>
-            <a:r>
-              <a:rPr kumimoji="1" lang="en-US" altLang="zh-TW" smtClean="0"/>
-              <a:t>BFP</a:t>
-            </a:r>
-            <a:r>
-              <a:rPr kumimoji="1" lang="zh-TW" altLang="en-US" smtClean="0"/>
-              <a:t>社内検証環境構成　</a:t>
-            </a:r>
-            <a:r>
-              <a:rPr kumimoji="1" lang="en-US" altLang="zh-TW" smtClean="0"/>
-              <a:t>0.2</a:t>
-            </a:r>
-            <a:r>
-              <a:rPr kumimoji="1" lang="zh-TW" altLang="en-US" smtClean="0"/>
-              <a:t>版</a:t>
-            </a:r>
             <a:endParaRPr kumimoji="1" lang="ja-JP" altLang="en-US"/>
           </a:p>
         </p:txBody>
@@ -2758,43 +2479,8 @@
           <a:p>
             <a:fld id="{EA8D104D-606A-43F6-AA93-82E14EED734E}" type="datetime1">
               <a:rPr kumimoji="1" lang="ja-JP" altLang="en-US" smtClean="0"/>
-              <a:t>2014/1/15</a:t>
+              <a:t>2014/12/15</a:t>
             </a:fld>
-            <a:endParaRPr kumimoji="1" lang="ja-JP" altLang="en-US"/>
-          </a:p>
-        </p:txBody>
-      </p:sp>
-      <p:sp>
-        <p:nvSpPr>
-          <p:cNvPr id="3" name="フッター プレースホルダー 2"/>
-          <p:cNvSpPr>
-            <a:spLocks noGrp="1"/>
-          </p:cNvSpPr>
-          <p:nvPr>
-            <p:ph type="ftr" sz="quarter" idx="11"/>
-          </p:nvPr>
-        </p:nvSpPr>
-        <p:spPr/>
-        <p:txBody>
-          <a:bodyPr/>
-          <a:lstStyle/>
-          <a:p>
-            <a:r>
-              <a:rPr kumimoji="1" lang="en-US" altLang="zh-TW" smtClean="0"/>
-              <a:t>BFP</a:t>
-            </a:r>
-            <a:r>
-              <a:rPr kumimoji="1" lang="zh-TW" altLang="en-US" smtClean="0"/>
-              <a:t>社内検証環境構成　</a:t>
-            </a:r>
-            <a:r>
-              <a:rPr kumimoji="1" lang="en-US" altLang="zh-TW" smtClean="0"/>
-              <a:t>0.2</a:t>
-            </a:r>
-            <a:r>
-              <a:rPr kumimoji="1" lang="zh-TW" altLang="en-US" smtClean="0"/>
-              <a:t>版</a:t>
-            </a:r>
             <a:endParaRPr kumimoji="1" lang="ja-JP" altLang="en-US"/>
           </a:p>
         </p:txBody>
@@ -3083,43 +2769,8 @@
           <a:p>
             <a:fld id="{E040285E-52A1-4954-881F-D8D4CC5F7146}" type="datetime1">
               <a:rPr kumimoji="1" lang="ja-JP" altLang="en-US" smtClean="0"/>
-              <a:t>2014/1/15</a:t>
+              <a:t>2014/12/15</a:t>
             </a:fld>
-            <a:endParaRPr kumimoji="1" lang="ja-JP" altLang="en-US"/>
-          </a:p>
-        </p:txBody>
-      </p:sp>
-      <p:sp>
-        <p:nvSpPr>
-          <p:cNvPr id="6" name="フッター プレースホルダー 5"/>
-          <p:cNvSpPr>
-            <a:spLocks noGrp="1"/>
-          </p:cNvSpPr>
-          <p:nvPr>
-            <p:ph type="ftr" sz="quarter" idx="11"/>
-          </p:nvPr>
-        </p:nvSpPr>
-        <p:spPr/>
-        <p:txBody>
-          <a:bodyPr/>
-          <a:lstStyle/>
-          <a:p>
-            <a:r>
-              <a:rPr kumimoji="1" lang="en-US" altLang="zh-TW" smtClean="0"/>
-              <a:t>BFP</a:t>
-            </a:r>
-            <a:r>
-              <a:rPr kumimoji="1" lang="zh-TW" altLang="en-US" smtClean="0"/>
-              <a:t>社内検証環境構成　</a:t>
-            </a:r>
-            <a:r>
-              <a:rPr kumimoji="1" lang="en-US" altLang="zh-TW" smtClean="0"/>
-              <a:t>0.2</a:t>
-            </a:r>
-            <a:r>
-              <a:rPr kumimoji="1" lang="zh-TW" altLang="en-US" smtClean="0"/>
-              <a:t>版</a:t>
-            </a:r>
             <a:endParaRPr kumimoji="1" lang="ja-JP" altLang="en-US"/>
           </a:p>
         </p:txBody>
@@ -3352,43 +3003,8 @@
           <a:p>
             <a:fld id="{F60693A6-EF6E-44B0-A991-A56AB7E0A53E}" type="datetime1">
               <a:rPr kumimoji="1" lang="ja-JP" altLang="en-US" smtClean="0"/>
-              <a:t>2014/1/15</a:t>
+              <a:t>2014/12/15</a:t>
             </a:fld>
-            <a:endParaRPr kumimoji="1" lang="ja-JP" altLang="en-US"/>
-          </a:p>
-        </p:txBody>
-      </p:sp>
-      <p:sp>
-        <p:nvSpPr>
-          <p:cNvPr id="6" name="フッター プレースホルダー 5"/>
-          <p:cNvSpPr>
-            <a:spLocks noGrp="1"/>
-          </p:cNvSpPr>
-          <p:nvPr>
-            <p:ph type="ftr" sz="quarter" idx="11"/>
-          </p:nvPr>
-        </p:nvSpPr>
-        <p:spPr/>
-        <p:txBody>
-          <a:bodyPr/>
-          <a:lstStyle/>
-          <a:p>
-            <a:r>
-              <a:rPr kumimoji="1" lang="en-US" altLang="zh-TW" smtClean="0"/>
-              <a:t>BFP</a:t>
-            </a:r>
-            <a:r>
-              <a:rPr kumimoji="1" lang="zh-TW" altLang="en-US" smtClean="0"/>
-              <a:t>社内検証環境構成　</a:t>
-            </a:r>
-            <a:r>
-              <a:rPr kumimoji="1" lang="en-US" altLang="zh-TW" smtClean="0"/>
-              <a:t>0.2</a:t>
-            </a:r>
-            <a:r>
-              <a:rPr kumimoji="1" lang="zh-TW" altLang="en-US" smtClean="0"/>
-              <a:t>版</a:t>
-            </a:r>
             <a:endParaRPr kumimoji="1" lang="ja-JP" altLang="en-US"/>
           </a:p>
         </p:txBody>
@@ -3614,62 +3230,9 @@
             <a:fld id="{D0B71BB7-16C3-4F6D-AC67-011FF4B5FF73}" type="datetime1">
               <a:rPr lang="ja-JP" altLang="en-US" smtClean="0"/>
               <a:pPr/>
-              <a:t>2014/1/15</a:t>
+              <a:t>2014/12/15</a:t>
             </a:fld>
             <a:endParaRPr lang="ja-JP" altLang="en-US"/>
-          </a:p>
-        </p:txBody>
-      </p:sp>
-      <p:sp>
-        <p:nvSpPr>
-          <p:cNvPr id="5" name="フッター プレースホルダー 4"/>
-          <p:cNvSpPr>
-            <a:spLocks noGrp="1"/>
-          </p:cNvSpPr>
-          <p:nvPr>
-            <p:ph type="ftr" sz="quarter" idx="3"/>
-          </p:nvPr>
-        </p:nvSpPr>
-        <p:spPr>
-          <a:xfrm>
-            <a:off x="3124200" y="6525344"/>
-            <a:ext cx="2895600" cy="196131"/>
-          </a:xfrm>
-          <a:prstGeom prst="rect">
-            <a:avLst/>
-          </a:prstGeom>
-        </p:spPr>
-        <p:txBody>
-          <a:bodyPr vert="horz" lIns="91440" tIns="45720" rIns="91440" bIns="45720" rtlCol="0" anchor="ctr"/>
-          <a:lstStyle>
-            <a:lvl1pPr algn="ctr">
-              <a:defRPr sz="1100">
-                <a:solidFill>
-                  <a:schemeClr val="tx1">
-                    <a:tint val="75000"/>
-                  </a:schemeClr>
-                </a:solidFill>
-              </a:defRPr>
-            </a:lvl1pPr>
-          </a:lstStyle>
-          <a:p>
-            <a:r>
-              <a:rPr lang="en-US" altLang="zh-TW" dirty="0" smtClean="0"/>
-              <a:t>BFP</a:t>
-            </a:r>
-            <a:r>
-              <a:rPr lang="zh-TW" altLang="en-US" dirty="0" smtClean="0"/>
-              <a:t>社内検証環境構成　</a:t>
-            </a:r>
-            <a:r>
-              <a:rPr lang="en-US" altLang="zh-TW" dirty="0" smtClean="0"/>
-              <a:t>0.3</a:t>
-            </a:r>
-            <a:r>
-              <a:rPr lang="zh-TW" altLang="en-US" dirty="0" smtClean="0"/>
-              <a:t>版</a:t>
-            </a:r>
-            <a:endParaRPr lang="ja-JP" altLang="en-US" dirty="0"/>
           </a:p>
         </p:txBody>
       </p:sp>
@@ -4104,10 +3667,18 @@
             <a:spLocks noGrp="1"/>
           </p:cNvSpPr>
           <p:nvPr>
-            <p:ph type="sldNum" sz="quarter" idx="11"/>
+            <p:ph type="sldNum" sz="quarter" idx="4294967295"/>
           </p:nvPr>
         </p:nvSpPr>
-        <p:spPr/>
+        <p:spPr>
+          <a:xfrm>
+            <a:off x="3124200" y="6525344"/>
+            <a:ext cx="2895600" cy="196131"/>
+          </a:xfrm>
+          <a:prstGeom prst="rect">
+            <a:avLst/>
+          </a:prstGeom>
+        </p:spPr>
         <p:txBody>
           <a:bodyPr/>
           <a:lstStyle/>
@@ -5691,6 +5262,2378 @@
       </p:par>
     </p:tnLst>
   </p:timing>
+</p:sld>
+</file>
+
+<file path=ppt/slides/slide2.xml><?xml version="1.0" encoding="utf-8"?>
+<p:sld xmlns:a="http://schemas.openxmlformats.org/drawingml/2006/main" xmlns:r="http://schemas.openxmlformats.org/officeDocument/2006/relationships" xmlns:p="http://schemas.openxmlformats.org/presentationml/2006/main">
+  <p:cSld>
+    <p:spTree>
+      <p:nvGrpSpPr>
+        <p:cNvPr id="1" name=""/>
+        <p:cNvGrpSpPr/>
+        <p:nvPr/>
+      </p:nvGrpSpPr>
+      <p:grpSpPr>
+        <a:xfrm>
+          <a:off x="0" y="0"/>
+          <a:ext cx="0" cy="0"/>
+          <a:chOff x="0" y="0"/>
+          <a:chExt cx="0" cy="0"/>
+        </a:xfrm>
+      </p:grpSpPr>
+      <p:sp>
+        <p:nvSpPr>
+          <p:cNvPr id="4" name="スライド番号プレースホルダー 3"/>
+          <p:cNvSpPr>
+            <a:spLocks noGrp="1"/>
+          </p:cNvSpPr>
+          <p:nvPr>
+            <p:ph type="sldNum" sz="quarter" idx="12"/>
+          </p:nvPr>
+        </p:nvSpPr>
+        <p:spPr/>
+        <p:txBody>
+          <a:bodyPr/>
+          <a:lstStyle/>
+          <a:p>
+            <a:fld id="{687E511A-E7F9-4652-98E8-6F55839A4EC9}" type="slidenum">
+              <a:rPr kumimoji="1" lang="ja-JP" altLang="en-US" smtClean="0"/>
+              <a:t>2</a:t>
+            </a:fld>
+            <a:endParaRPr kumimoji="1" lang="ja-JP" altLang="en-US"/>
+          </a:p>
+        </p:txBody>
+      </p:sp>
+      <p:sp>
+        <p:nvSpPr>
+          <p:cNvPr id="5" name="角丸四角形 4"/>
+          <p:cNvSpPr/>
+          <p:nvPr/>
+        </p:nvSpPr>
+        <p:spPr bwMode="auto">
+          <a:xfrm>
+            <a:off x="1557982" y="1340768"/>
+            <a:ext cx="7499473" cy="3528392"/>
+          </a:xfrm>
+          <a:prstGeom prst="roundRect">
+            <a:avLst/>
+          </a:prstGeom>
+          <a:ln>
+            <a:headEnd type="none" w="med" len="med"/>
+            <a:tailEnd type="none" w="med" len="med"/>
+          </a:ln>
+        </p:spPr>
+        <p:style>
+          <a:lnRef idx="2">
+            <a:schemeClr val="accent3"/>
+          </a:lnRef>
+          <a:fillRef idx="1">
+            <a:schemeClr val="lt1"/>
+          </a:fillRef>
+          <a:effectRef idx="0">
+            <a:schemeClr val="accent3"/>
+          </a:effectRef>
+          <a:fontRef idx="minor">
+            <a:schemeClr val="dk1"/>
+          </a:fontRef>
+        </p:style>
+        <p:txBody>
+          <a:bodyPr/>
+          <a:lstStyle/>
+          <a:p>
+            <a:pPr algn="ctr">
+              <a:defRPr/>
+            </a:pPr>
+            <a:r>
+              <a:rPr lang="en-US" altLang="ja-JP" sz="1400" b="1" dirty="0" err="1" smtClean="0">
+                <a:solidFill>
+                  <a:schemeClr val="tx1"/>
+                </a:solidFill>
+                <a:latin typeface="Verdana" pitchFamily="34" charset="0"/>
+              </a:rPr>
+              <a:t>HttpWordCountTopology</a:t>
+            </a:r>
+            <a:endParaRPr lang="en-US" altLang="ja-JP" sz="1400" b="1" dirty="0" smtClean="0">
+              <a:solidFill>
+                <a:schemeClr val="tx1"/>
+              </a:solidFill>
+              <a:latin typeface="Verdana" pitchFamily="34" charset="0"/>
+            </a:endParaRPr>
+          </a:p>
+        </p:txBody>
+      </p:sp>
+      <p:sp>
+        <p:nvSpPr>
+          <p:cNvPr id="6" name="円/楕円 5"/>
+          <p:cNvSpPr/>
+          <p:nvPr/>
+        </p:nvSpPr>
+        <p:spPr bwMode="auto">
+          <a:xfrm>
+            <a:off x="1879347" y="2732533"/>
+            <a:ext cx="936104" cy="755994"/>
+          </a:xfrm>
+          <a:prstGeom prst="ellipse">
+            <a:avLst/>
+          </a:prstGeom>
+          <a:ln>
+            <a:headEnd type="none" w="med" len="med"/>
+            <a:tailEnd type="none" w="med" len="med"/>
+          </a:ln>
+        </p:spPr>
+        <p:style>
+          <a:lnRef idx="1">
+            <a:schemeClr val="accent1"/>
+          </a:lnRef>
+          <a:fillRef idx="2">
+            <a:schemeClr val="accent1"/>
+          </a:fillRef>
+          <a:effectRef idx="1">
+            <a:schemeClr val="accent1"/>
+          </a:effectRef>
+          <a:fontRef idx="minor">
+            <a:schemeClr val="dk1"/>
+          </a:fontRef>
+        </p:style>
+        <p:txBody>
+          <a:bodyPr vert="horz" wrap="none" lIns="91440" tIns="45720" rIns="91440" bIns="45720" numCol="1" rtlCol="0" anchor="ctr" anchorCtr="0" compatLnSpc="1">
+            <a:prstTxWarp prst="textNoShape">
+              <a:avLst/>
+            </a:prstTxWarp>
+            <a:noAutofit/>
+          </a:bodyPr>
+          <a:lstStyle/>
+          <a:p>
+            <a:pPr marL="0" marR="0" indent="0" algn="ctr" defTabSz="914400" rtl="0" eaLnBrk="1" fontAlgn="base" latinLnBrk="0" hangingPunct="1">
+              <a:lnSpc>
+                <a:spcPct val="100000"/>
+              </a:lnSpc>
+              <a:spcBef>
+                <a:spcPct val="50000"/>
+              </a:spcBef>
+              <a:spcAft>
+                <a:spcPct val="0"/>
+              </a:spcAft>
+              <a:buClrTx/>
+              <a:buSzTx/>
+              <a:buFontTx/>
+              <a:buNone/>
+              <a:tabLst/>
+            </a:pPr>
+            <a:r>
+              <a:rPr kumimoji="1" lang="ja-JP" altLang="en-US" sz="1400" b="1" i="0" u="none" strike="noStrike" cap="none" normalizeH="0" baseline="0" dirty="0" smtClean="0">
+                <a:ln>
+                  <a:noFill/>
+                </a:ln>
+                <a:solidFill>
+                  <a:schemeClr val="tx1"/>
+                </a:solidFill>
+                <a:effectLst/>
+                <a:ea typeface="ＭＳ Ｐゴシック" pitchFamily="50" charset="-128"/>
+              </a:rPr>
+              <a:t>メッセージ</a:t>
+            </a:r>
+            <a:r>
+              <a:rPr lang="en-US" altLang="ja-JP" sz="1400" b="1" dirty="0">
+                <a:ea typeface="ＭＳ Ｐゴシック" pitchFamily="50" charset="-128"/>
+              </a:rPr>
+              <a:t/>
+            </a:r>
+            <a:br>
+              <a:rPr lang="en-US" altLang="ja-JP" sz="1400" b="1" dirty="0">
+                <a:ea typeface="ＭＳ Ｐゴシック" pitchFamily="50" charset="-128"/>
+              </a:rPr>
+            </a:br>
+            <a:r>
+              <a:rPr lang="ja-JP" altLang="en-US" sz="1400" b="1" dirty="0" smtClean="0">
+                <a:solidFill>
+                  <a:schemeClr val="tx1"/>
+                </a:solidFill>
+                <a:ea typeface="ＭＳ Ｐゴシック" pitchFamily="50" charset="-128"/>
+              </a:rPr>
+              <a:t>取得</a:t>
+            </a:r>
+            <a:r>
+              <a:rPr lang="en-US" altLang="ja-JP" sz="1400" b="1" dirty="0" smtClean="0">
+                <a:solidFill>
+                  <a:schemeClr val="tx1"/>
+                </a:solidFill>
+                <a:ea typeface="ＭＳ Ｐゴシック" pitchFamily="50" charset="-128"/>
+              </a:rPr>
+              <a:t>Spout</a:t>
+            </a:r>
+            <a:endParaRPr kumimoji="1" lang="ja-JP" altLang="en-US" sz="1400" b="1" i="0" u="none" strike="noStrike" cap="none" normalizeH="0" baseline="0" dirty="0" smtClean="0">
+              <a:ln>
+                <a:noFill/>
+              </a:ln>
+              <a:solidFill>
+                <a:schemeClr val="tx1"/>
+              </a:solidFill>
+              <a:effectLst/>
+              <a:ea typeface="ＭＳ Ｐゴシック" pitchFamily="50" charset="-128"/>
+            </a:endParaRPr>
+          </a:p>
+        </p:txBody>
+      </p:sp>
+      <p:sp>
+        <p:nvSpPr>
+          <p:cNvPr id="7" name="円/楕円 6"/>
+          <p:cNvSpPr/>
+          <p:nvPr/>
+        </p:nvSpPr>
+        <p:spPr bwMode="auto">
+          <a:xfrm>
+            <a:off x="3607539" y="2788144"/>
+            <a:ext cx="936104" cy="755994"/>
+          </a:xfrm>
+          <a:prstGeom prst="ellipse">
+            <a:avLst/>
+          </a:prstGeom>
+          <a:ln>
+            <a:headEnd type="none" w="med" len="med"/>
+            <a:tailEnd type="none" w="med" len="med"/>
+          </a:ln>
+        </p:spPr>
+        <p:style>
+          <a:lnRef idx="1">
+            <a:schemeClr val="accent1"/>
+          </a:lnRef>
+          <a:fillRef idx="2">
+            <a:schemeClr val="accent1"/>
+          </a:fillRef>
+          <a:effectRef idx="1">
+            <a:schemeClr val="accent1"/>
+          </a:effectRef>
+          <a:fontRef idx="minor">
+            <a:schemeClr val="dk1"/>
+          </a:fontRef>
+        </p:style>
+        <p:txBody>
+          <a:bodyPr vert="horz" wrap="none" lIns="91440" tIns="45720" rIns="91440" bIns="45720" numCol="1" rtlCol="0" anchor="ctr" anchorCtr="0" compatLnSpc="1">
+            <a:prstTxWarp prst="textNoShape">
+              <a:avLst/>
+            </a:prstTxWarp>
+            <a:noAutofit/>
+          </a:bodyPr>
+          <a:lstStyle/>
+          <a:p>
+            <a:pPr marL="0" marR="0" indent="0" algn="ctr" defTabSz="914400" rtl="0" eaLnBrk="1" fontAlgn="base" latinLnBrk="0" hangingPunct="1">
+              <a:lnSpc>
+                <a:spcPct val="100000"/>
+              </a:lnSpc>
+              <a:spcBef>
+                <a:spcPct val="50000"/>
+              </a:spcBef>
+              <a:spcAft>
+                <a:spcPct val="0"/>
+              </a:spcAft>
+              <a:buClrTx/>
+              <a:buSzTx/>
+              <a:buFontTx/>
+              <a:buNone/>
+              <a:tabLst/>
+            </a:pPr>
+            <a:r>
+              <a:rPr lang="ja-JP" altLang="en-US" sz="1400" b="1" dirty="0" smtClean="0">
+                <a:solidFill>
+                  <a:schemeClr val="tx1"/>
+                </a:solidFill>
+                <a:ea typeface="ＭＳ Ｐゴシック" pitchFamily="50" charset="-128"/>
+              </a:rPr>
+              <a:t>メッセージ</a:t>
+            </a:r>
+            <a:r>
+              <a:rPr lang="en-US" altLang="ja-JP" sz="1400" b="1" dirty="0">
+                <a:solidFill>
+                  <a:schemeClr val="tx1"/>
+                </a:solidFill>
+                <a:ea typeface="ＭＳ Ｐゴシック" pitchFamily="50" charset="-128"/>
+              </a:rPr>
+              <a:t/>
+            </a:r>
+            <a:br>
+              <a:rPr lang="en-US" altLang="ja-JP" sz="1400" b="1" dirty="0">
+                <a:solidFill>
+                  <a:schemeClr val="tx1"/>
+                </a:solidFill>
+                <a:ea typeface="ＭＳ Ｐゴシック" pitchFamily="50" charset="-128"/>
+              </a:rPr>
+            </a:br>
+            <a:r>
+              <a:rPr lang="ja-JP" altLang="en-US" sz="1400" b="1" dirty="0" smtClean="0">
+                <a:solidFill>
+                  <a:schemeClr val="tx1"/>
+                </a:solidFill>
+                <a:ea typeface="ＭＳ Ｐゴシック" pitchFamily="50" charset="-128"/>
+              </a:rPr>
+              <a:t>抽出</a:t>
+            </a:r>
+            <a:r>
+              <a:rPr lang="en-US" altLang="ja-JP" sz="1400" b="1" dirty="0" smtClean="0">
+                <a:solidFill>
+                  <a:schemeClr val="tx1"/>
+                </a:solidFill>
+                <a:ea typeface="ＭＳ Ｐゴシック" pitchFamily="50" charset="-128"/>
+              </a:rPr>
+              <a:t>Bolt</a:t>
+            </a:r>
+          </a:p>
+        </p:txBody>
+      </p:sp>
+      <p:pic>
+        <p:nvPicPr>
+          <p:cNvPr id="8" name="Picture 6"/>
+          <p:cNvPicPr>
+            <a:picLocks noChangeAspect="1" noChangeArrowheads="1"/>
+          </p:cNvPicPr>
+          <p:nvPr/>
+        </p:nvPicPr>
+        <p:blipFill>
+          <a:blip r:embed="rId2" cstate="print"/>
+          <a:srcRect/>
+          <a:stretch>
+            <a:fillRect/>
+          </a:stretch>
+        </p:blipFill>
+        <p:spPr bwMode="auto">
+          <a:xfrm>
+            <a:off x="439187" y="2653984"/>
+            <a:ext cx="741363" cy="965200"/>
+          </a:xfrm>
+          <a:prstGeom prst="rect">
+            <a:avLst/>
+          </a:prstGeom>
+          <a:noFill/>
+          <a:ln w="9525">
+            <a:noFill/>
+            <a:miter lim="800000"/>
+            <a:headEnd/>
+            <a:tailEnd/>
+          </a:ln>
+        </p:spPr>
+      </p:pic>
+      <p:sp>
+        <p:nvSpPr>
+          <p:cNvPr id="9" name="テキスト ボックス 8"/>
+          <p:cNvSpPr txBox="1"/>
+          <p:nvPr/>
+        </p:nvSpPr>
+        <p:spPr>
+          <a:xfrm>
+            <a:off x="-15552" y="3590146"/>
+            <a:ext cx="1573535" cy="630942"/>
+          </a:xfrm>
+          <a:prstGeom prst="rect">
+            <a:avLst/>
+          </a:prstGeom>
+          <a:noFill/>
+        </p:spPr>
+        <p:txBody>
+          <a:bodyPr wrap="square" rtlCol="0">
+            <a:spAutoFit/>
+          </a:bodyPr>
+          <a:lstStyle/>
+          <a:p>
+            <a:pPr algn="ctr"/>
+            <a:r>
+              <a:rPr kumimoji="1" lang="en-US" altLang="ja-JP" sz="1400" b="1" dirty="0" smtClean="0"/>
+              <a:t>Web</a:t>
+            </a:r>
+            <a:r>
+              <a:rPr kumimoji="1" lang="ja-JP" altLang="en-US" sz="1400" b="1" dirty="0" smtClean="0"/>
+              <a:t>サーバ</a:t>
+            </a:r>
+            <a:endParaRPr kumimoji="1" lang="en-US" altLang="ja-JP" sz="1400" b="1" dirty="0" smtClean="0"/>
+          </a:p>
+          <a:p>
+            <a:pPr algn="ctr"/>
+            <a:r>
+              <a:rPr lang="en-US" altLang="ja-JP" sz="1400" b="1" dirty="0"/>
+              <a:t>(</a:t>
+            </a:r>
+            <a:r>
+              <a:rPr lang="en-US" altLang="ja-JP" sz="1400" b="1" dirty="0" err="1" smtClean="0"/>
+              <a:t>WireMock</a:t>
+            </a:r>
+            <a:r>
+              <a:rPr lang="en-US" altLang="ja-JP" sz="1400" b="1" dirty="0"/>
+              <a:t>)</a:t>
+            </a:r>
+            <a:endParaRPr kumimoji="1" lang="ja-JP" altLang="en-US" sz="1400" b="1" dirty="0"/>
+          </a:p>
+        </p:txBody>
+      </p:sp>
+      <p:sp>
+        <p:nvSpPr>
+          <p:cNvPr id="10" name="フリーフォーム 9"/>
+          <p:cNvSpPr/>
+          <p:nvPr/>
+        </p:nvSpPr>
+        <p:spPr bwMode="auto">
+          <a:xfrm>
+            <a:off x="1140950" y="2975533"/>
+            <a:ext cx="720080" cy="262070"/>
+          </a:xfrm>
+          <a:custGeom>
+            <a:avLst/>
+            <a:gdLst>
+              <a:gd name="connsiteX0" fmla="*/ 635976 w 635976"/>
+              <a:gd name="connsiteY0" fmla="*/ 26377 h 213946"/>
+              <a:gd name="connsiteX1" fmla="*/ 108438 w 635976"/>
+              <a:gd name="connsiteY1" fmla="*/ 26377 h 213946"/>
+              <a:gd name="connsiteX2" fmla="*/ 82061 w 635976"/>
+              <a:gd name="connsiteY2" fmla="*/ 184638 h 213946"/>
+              <a:gd name="connsiteX3" fmla="*/ 600807 w 635976"/>
+              <a:gd name="connsiteY3" fmla="*/ 202223 h 213946"/>
+              <a:gd name="connsiteX4" fmla="*/ 600807 w 635976"/>
+              <a:gd name="connsiteY4" fmla="*/ 202223 h 213946"/>
+              <a:gd name="connsiteX0" fmla="*/ 635976 w 792088"/>
+              <a:gd name="connsiteY0" fmla="*/ 26377 h 216024"/>
+              <a:gd name="connsiteX1" fmla="*/ 108438 w 792088"/>
+              <a:gd name="connsiteY1" fmla="*/ 26377 h 216024"/>
+              <a:gd name="connsiteX2" fmla="*/ 82061 w 792088"/>
+              <a:gd name="connsiteY2" fmla="*/ 184638 h 216024"/>
+              <a:gd name="connsiteX3" fmla="*/ 600807 w 792088"/>
+              <a:gd name="connsiteY3" fmla="*/ 202223 h 216024"/>
+              <a:gd name="connsiteX4" fmla="*/ 792088 w 792088"/>
+              <a:gd name="connsiteY4" fmla="*/ 216024 h 216024"/>
+              <a:gd name="connsiteX0" fmla="*/ 667857 w 823969"/>
+              <a:gd name="connsiteY0" fmla="*/ 26377 h 216246"/>
+              <a:gd name="connsiteX1" fmla="*/ 140319 w 823969"/>
+              <a:gd name="connsiteY1" fmla="*/ 26377 h 216246"/>
+              <a:gd name="connsiteX2" fmla="*/ 113942 w 823969"/>
+              <a:gd name="connsiteY2" fmla="*/ 184638 h 216246"/>
+              <a:gd name="connsiteX3" fmla="*/ 823969 w 823969"/>
+              <a:gd name="connsiteY3" fmla="*/ 216024 h 216246"/>
+              <a:gd name="connsiteX0" fmla="*/ 655855 w 739960"/>
+              <a:gd name="connsiteY0" fmla="*/ 26377 h 216246"/>
+              <a:gd name="connsiteX1" fmla="*/ 128317 w 739960"/>
+              <a:gd name="connsiteY1" fmla="*/ 26377 h 216246"/>
+              <a:gd name="connsiteX2" fmla="*/ 101940 w 739960"/>
+              <a:gd name="connsiteY2" fmla="*/ 184638 h 216246"/>
+              <a:gd name="connsiteX3" fmla="*/ 739960 w 739960"/>
+              <a:gd name="connsiteY3" fmla="*/ 216024 h 216246"/>
+              <a:gd name="connsiteX0" fmla="*/ 655855 w 808003"/>
+              <a:gd name="connsiteY0" fmla="*/ 30773 h 220642"/>
+              <a:gd name="connsiteX1" fmla="*/ 720080 w 808003"/>
+              <a:gd name="connsiteY1" fmla="*/ 4396 h 220642"/>
+              <a:gd name="connsiteX2" fmla="*/ 128317 w 808003"/>
+              <a:gd name="connsiteY2" fmla="*/ 30773 h 220642"/>
+              <a:gd name="connsiteX3" fmla="*/ 101940 w 808003"/>
+              <a:gd name="connsiteY3" fmla="*/ 189034 h 220642"/>
+              <a:gd name="connsiteX4" fmla="*/ 739960 w 808003"/>
+              <a:gd name="connsiteY4" fmla="*/ 220420 h 220642"/>
+              <a:gd name="connsiteX0" fmla="*/ 655855 w 739960"/>
+              <a:gd name="connsiteY0" fmla="*/ 26377 h 216246"/>
+              <a:gd name="connsiteX1" fmla="*/ 128317 w 739960"/>
+              <a:gd name="connsiteY1" fmla="*/ 26377 h 216246"/>
+              <a:gd name="connsiteX2" fmla="*/ 101940 w 739960"/>
+              <a:gd name="connsiteY2" fmla="*/ 184638 h 216246"/>
+              <a:gd name="connsiteX3" fmla="*/ 739960 w 739960"/>
+              <a:gd name="connsiteY3" fmla="*/ 216024 h 216246"/>
+              <a:gd name="connsiteX0" fmla="*/ 720080 w 739960"/>
+              <a:gd name="connsiteY0" fmla="*/ 4396 h 220642"/>
+              <a:gd name="connsiteX1" fmla="*/ 128317 w 739960"/>
+              <a:gd name="connsiteY1" fmla="*/ 30773 h 220642"/>
+              <a:gd name="connsiteX2" fmla="*/ 101940 w 739960"/>
+              <a:gd name="connsiteY2" fmla="*/ 189034 h 220642"/>
+              <a:gd name="connsiteX3" fmla="*/ 739960 w 739960"/>
+              <a:gd name="connsiteY3" fmla="*/ 220420 h 220642"/>
+            </a:gdLst>
+            <a:ahLst/>
+            <a:cxnLst>
+              <a:cxn ang="0">
+                <a:pos x="connsiteX0" y="connsiteY0"/>
+              </a:cxn>
+              <a:cxn ang="0">
+                <a:pos x="connsiteX1" y="connsiteY1"/>
+              </a:cxn>
+              <a:cxn ang="0">
+                <a:pos x="connsiteX2" y="connsiteY2"/>
+              </a:cxn>
+              <a:cxn ang="0">
+                <a:pos x="connsiteX3" y="connsiteY3"/>
+              </a:cxn>
+            </a:cxnLst>
+            <a:rect l="l" t="t" r="r" b="b"/>
+            <a:pathLst>
+              <a:path w="739960" h="220642">
+                <a:moveTo>
+                  <a:pt x="720080" y="4396"/>
+                </a:moveTo>
+                <a:cubicBezTo>
+                  <a:pt x="610176" y="4396"/>
+                  <a:pt x="231340" y="0"/>
+                  <a:pt x="128317" y="30773"/>
+                </a:cubicBezTo>
+                <a:cubicBezTo>
+                  <a:pt x="25294" y="61546"/>
+                  <a:pt x="0" y="157426"/>
+                  <a:pt x="101940" y="189034"/>
+                </a:cubicBezTo>
+                <a:cubicBezTo>
+                  <a:pt x="203880" y="220642"/>
+                  <a:pt x="592038" y="213881"/>
+                  <a:pt x="739960" y="220420"/>
+                </a:cubicBezTo>
+              </a:path>
+            </a:pathLst>
+          </a:custGeom>
+          <a:noFill/>
+          <a:ln w="38100" cap="flat" cmpd="sng" algn="ctr">
+            <a:solidFill>
+              <a:schemeClr val="tx1"/>
+            </a:solidFill>
+            <a:prstDash val="solid"/>
+            <a:round/>
+            <a:headEnd type="none" w="med" len="med"/>
+            <a:tailEnd type="arrow" w="med" len="med"/>
+          </a:ln>
+          <a:effectLst/>
+        </p:spPr>
+        <p:txBody>
+          <a:bodyPr vert="horz" wrap="square" lIns="91440" tIns="45720" rIns="91440" bIns="45720" numCol="1" rtlCol="0" anchor="ctr" anchorCtr="0" compatLnSpc="1">
+            <a:prstTxWarp prst="textNoShape">
+              <a:avLst/>
+            </a:prstTxWarp>
+            <a:noAutofit/>
+          </a:bodyPr>
+          <a:lstStyle/>
+          <a:p>
+            <a:pPr marL="0" marR="0" indent="0" algn="l" defTabSz="914400" rtl="0" eaLnBrk="1" fontAlgn="base" latinLnBrk="0" hangingPunct="1">
+              <a:lnSpc>
+                <a:spcPct val="100000"/>
+              </a:lnSpc>
+              <a:spcBef>
+                <a:spcPct val="50000"/>
+              </a:spcBef>
+              <a:spcAft>
+                <a:spcPct val="0"/>
+              </a:spcAft>
+              <a:buClrTx/>
+              <a:buSzTx/>
+              <a:buFontTx/>
+              <a:buNone/>
+              <a:tabLst/>
+            </a:pPr>
+            <a:endParaRPr kumimoji="1" lang="ja-JP" altLang="en-US" sz="2400" b="0" i="0" u="none" strike="noStrike" cap="none" normalizeH="0" baseline="0" smtClean="0">
+              <a:ln>
+                <a:noFill/>
+              </a:ln>
+              <a:solidFill>
+                <a:schemeClr val="tx1"/>
+              </a:solidFill>
+              <a:effectLst/>
+              <a:latin typeface="Verdana" pitchFamily="34" charset="0"/>
+              <a:ea typeface="ＭＳ Ｐゴシック" pitchFamily="50" charset="-128"/>
+            </a:endParaRPr>
+          </a:p>
+        </p:txBody>
+      </p:sp>
+      <p:sp>
+        <p:nvSpPr>
+          <p:cNvPr id="11" name="円/楕円 10"/>
+          <p:cNvSpPr/>
+          <p:nvPr/>
+        </p:nvSpPr>
+        <p:spPr bwMode="auto">
+          <a:xfrm>
+            <a:off x="3584848" y="1772816"/>
+            <a:ext cx="936104" cy="755994"/>
+          </a:xfrm>
+          <a:prstGeom prst="ellipse">
+            <a:avLst/>
+          </a:prstGeom>
+          <a:ln>
+            <a:headEnd type="none" w="med" len="med"/>
+            <a:tailEnd type="none" w="med" len="med"/>
+          </a:ln>
+        </p:spPr>
+        <p:style>
+          <a:lnRef idx="1">
+            <a:schemeClr val="accent1"/>
+          </a:lnRef>
+          <a:fillRef idx="2">
+            <a:schemeClr val="accent1"/>
+          </a:fillRef>
+          <a:effectRef idx="1">
+            <a:schemeClr val="accent1"/>
+          </a:effectRef>
+          <a:fontRef idx="minor">
+            <a:schemeClr val="dk1"/>
+          </a:fontRef>
+        </p:style>
+        <p:txBody>
+          <a:bodyPr vert="horz" wrap="none" lIns="91440" tIns="45720" rIns="91440" bIns="45720" numCol="1" rtlCol="0" anchor="ctr" anchorCtr="0" compatLnSpc="1">
+            <a:prstTxWarp prst="textNoShape">
+              <a:avLst/>
+            </a:prstTxWarp>
+            <a:noAutofit/>
+          </a:bodyPr>
+          <a:lstStyle/>
+          <a:p>
+            <a:pPr marL="0" marR="0" indent="0" algn="ctr" defTabSz="914400" rtl="0" eaLnBrk="1" fontAlgn="base" latinLnBrk="0" hangingPunct="1">
+              <a:lnSpc>
+                <a:spcPct val="100000"/>
+              </a:lnSpc>
+              <a:spcBef>
+                <a:spcPct val="50000"/>
+              </a:spcBef>
+              <a:spcAft>
+                <a:spcPct val="0"/>
+              </a:spcAft>
+              <a:buClrTx/>
+              <a:buSzTx/>
+              <a:buFontTx/>
+              <a:buNone/>
+              <a:tabLst/>
+            </a:pPr>
+            <a:r>
+              <a:rPr lang="ja-JP" altLang="en-US" sz="1400" b="1" dirty="0" smtClean="0">
+                <a:solidFill>
+                  <a:schemeClr val="tx1"/>
+                </a:solidFill>
+                <a:ea typeface="ＭＳ Ｐゴシック" pitchFamily="50" charset="-128"/>
+              </a:rPr>
+              <a:t>メッセージ</a:t>
+            </a:r>
+            <a:r>
+              <a:rPr lang="en-US" altLang="ja-JP" sz="1400" b="1" dirty="0">
+                <a:solidFill>
+                  <a:schemeClr val="tx1"/>
+                </a:solidFill>
+                <a:ea typeface="ＭＳ Ｐゴシック" pitchFamily="50" charset="-128"/>
+              </a:rPr>
+              <a:t/>
+            </a:r>
+            <a:br>
+              <a:rPr lang="en-US" altLang="ja-JP" sz="1400" b="1" dirty="0">
+                <a:solidFill>
+                  <a:schemeClr val="tx1"/>
+                </a:solidFill>
+                <a:ea typeface="ＭＳ Ｐゴシック" pitchFamily="50" charset="-128"/>
+              </a:rPr>
+            </a:br>
+            <a:r>
+              <a:rPr lang="ja-JP" altLang="en-US" sz="1400" b="1" dirty="0" smtClean="0">
+                <a:solidFill>
+                  <a:schemeClr val="tx1"/>
+                </a:solidFill>
+                <a:ea typeface="ＭＳ Ｐゴシック" pitchFamily="50" charset="-128"/>
+              </a:rPr>
+              <a:t>抽出</a:t>
+            </a:r>
+            <a:r>
+              <a:rPr lang="en-US" altLang="ja-JP" sz="1400" b="1" dirty="0" smtClean="0">
+                <a:solidFill>
+                  <a:schemeClr val="tx1"/>
+                </a:solidFill>
+                <a:ea typeface="ＭＳ Ｐゴシック" pitchFamily="50" charset="-128"/>
+              </a:rPr>
+              <a:t>Bolt</a:t>
+            </a:r>
+          </a:p>
+        </p:txBody>
+      </p:sp>
+      <p:sp>
+        <p:nvSpPr>
+          <p:cNvPr id="12" name="円/楕円 11"/>
+          <p:cNvSpPr/>
+          <p:nvPr/>
+        </p:nvSpPr>
+        <p:spPr bwMode="auto">
+          <a:xfrm>
+            <a:off x="3584848" y="3789040"/>
+            <a:ext cx="936104" cy="755994"/>
+          </a:xfrm>
+          <a:prstGeom prst="ellipse">
+            <a:avLst/>
+          </a:prstGeom>
+          <a:ln>
+            <a:headEnd type="none" w="med" len="med"/>
+            <a:tailEnd type="none" w="med" len="med"/>
+          </a:ln>
+        </p:spPr>
+        <p:style>
+          <a:lnRef idx="1">
+            <a:schemeClr val="accent1"/>
+          </a:lnRef>
+          <a:fillRef idx="2">
+            <a:schemeClr val="accent1"/>
+          </a:fillRef>
+          <a:effectRef idx="1">
+            <a:schemeClr val="accent1"/>
+          </a:effectRef>
+          <a:fontRef idx="minor">
+            <a:schemeClr val="dk1"/>
+          </a:fontRef>
+        </p:style>
+        <p:txBody>
+          <a:bodyPr vert="horz" wrap="none" lIns="91440" tIns="45720" rIns="91440" bIns="45720" numCol="1" rtlCol="0" anchor="ctr" anchorCtr="0" compatLnSpc="1">
+            <a:prstTxWarp prst="textNoShape">
+              <a:avLst/>
+            </a:prstTxWarp>
+            <a:noAutofit/>
+          </a:bodyPr>
+          <a:lstStyle/>
+          <a:p>
+            <a:pPr marL="0" marR="0" indent="0" algn="ctr" defTabSz="914400" rtl="0" eaLnBrk="1" fontAlgn="base" latinLnBrk="0" hangingPunct="1">
+              <a:lnSpc>
+                <a:spcPct val="100000"/>
+              </a:lnSpc>
+              <a:spcBef>
+                <a:spcPct val="50000"/>
+              </a:spcBef>
+              <a:spcAft>
+                <a:spcPct val="0"/>
+              </a:spcAft>
+              <a:buClrTx/>
+              <a:buSzTx/>
+              <a:buFontTx/>
+              <a:buNone/>
+              <a:tabLst/>
+            </a:pPr>
+            <a:r>
+              <a:rPr lang="ja-JP" altLang="en-US" sz="1400" b="1" dirty="0" smtClean="0">
+                <a:solidFill>
+                  <a:schemeClr val="tx1"/>
+                </a:solidFill>
+                <a:ea typeface="ＭＳ Ｐゴシック" pitchFamily="50" charset="-128"/>
+              </a:rPr>
+              <a:t>メッセージ</a:t>
+            </a:r>
+            <a:r>
+              <a:rPr lang="en-US" altLang="ja-JP" sz="1400" b="1" dirty="0">
+                <a:solidFill>
+                  <a:schemeClr val="tx1"/>
+                </a:solidFill>
+                <a:ea typeface="ＭＳ Ｐゴシック" pitchFamily="50" charset="-128"/>
+              </a:rPr>
+              <a:t/>
+            </a:r>
+            <a:br>
+              <a:rPr lang="en-US" altLang="ja-JP" sz="1400" b="1" dirty="0">
+                <a:solidFill>
+                  <a:schemeClr val="tx1"/>
+                </a:solidFill>
+                <a:ea typeface="ＭＳ Ｐゴシック" pitchFamily="50" charset="-128"/>
+              </a:rPr>
+            </a:br>
+            <a:r>
+              <a:rPr lang="ja-JP" altLang="en-US" sz="1400" b="1" dirty="0" smtClean="0">
+                <a:solidFill>
+                  <a:schemeClr val="tx1"/>
+                </a:solidFill>
+                <a:ea typeface="ＭＳ Ｐゴシック" pitchFamily="50" charset="-128"/>
+              </a:rPr>
+              <a:t>抽出</a:t>
+            </a:r>
+            <a:r>
+              <a:rPr lang="en-US" altLang="ja-JP" sz="1400" b="1" dirty="0" smtClean="0">
+                <a:solidFill>
+                  <a:schemeClr val="tx1"/>
+                </a:solidFill>
+                <a:ea typeface="ＭＳ Ｐゴシック" pitchFamily="50" charset="-128"/>
+              </a:rPr>
+              <a:t>Bolt</a:t>
+            </a:r>
+          </a:p>
+        </p:txBody>
+      </p:sp>
+      <p:sp>
+        <p:nvSpPr>
+          <p:cNvPr id="13" name="右矢印 12"/>
+          <p:cNvSpPr/>
+          <p:nvPr/>
+        </p:nvSpPr>
+        <p:spPr bwMode="auto">
+          <a:xfrm>
+            <a:off x="2871732" y="2222821"/>
+            <a:ext cx="697389" cy="1944216"/>
+          </a:xfrm>
+          <a:prstGeom prst="rightArrow">
+            <a:avLst/>
+          </a:prstGeom>
+          <a:ln>
+            <a:headEnd type="none" w="med" len="med"/>
+            <a:tailEnd type="none" w="med" len="med"/>
+          </a:ln>
+        </p:spPr>
+        <p:style>
+          <a:lnRef idx="2">
+            <a:schemeClr val="accent5">
+              <a:shade val="50000"/>
+            </a:schemeClr>
+          </a:lnRef>
+          <a:fillRef idx="1">
+            <a:schemeClr val="accent5"/>
+          </a:fillRef>
+          <a:effectRef idx="0">
+            <a:schemeClr val="accent5"/>
+          </a:effectRef>
+          <a:fontRef idx="minor">
+            <a:schemeClr val="lt1"/>
+          </a:fontRef>
+        </p:style>
+        <p:txBody>
+          <a:bodyPr vert="horz" wrap="square" lIns="91440" tIns="45720" rIns="91440" bIns="45720" numCol="1" rtlCol="0" anchor="ctr" anchorCtr="0" compatLnSpc="1">
+            <a:prstTxWarp prst="textNoShape">
+              <a:avLst/>
+            </a:prstTxWarp>
+            <a:noAutofit/>
+          </a:bodyPr>
+          <a:lstStyle/>
+          <a:p>
+            <a:pPr marL="0" marR="0" indent="0" algn="l" defTabSz="914400" rtl="0" eaLnBrk="1" fontAlgn="base" latinLnBrk="0" hangingPunct="1">
+              <a:lnSpc>
+                <a:spcPct val="100000"/>
+              </a:lnSpc>
+              <a:spcBef>
+                <a:spcPct val="50000"/>
+              </a:spcBef>
+              <a:spcAft>
+                <a:spcPct val="0"/>
+              </a:spcAft>
+              <a:buClrTx/>
+              <a:buSzTx/>
+              <a:buFontTx/>
+              <a:buNone/>
+              <a:tabLst/>
+            </a:pPr>
+            <a:endParaRPr kumimoji="1" lang="en-US" altLang="ja-JP" sz="1050" b="0" i="0" u="none" strike="noStrike" cap="none" normalizeH="0" baseline="0" dirty="0" smtClean="0">
+              <a:ln>
+                <a:noFill/>
+              </a:ln>
+              <a:solidFill>
+                <a:schemeClr val="tx1"/>
+              </a:solidFill>
+              <a:effectLst/>
+              <a:ea typeface="ＭＳ Ｐゴシック" pitchFamily="50" charset="-128"/>
+            </a:endParaRPr>
+          </a:p>
+        </p:txBody>
+      </p:sp>
+      <p:sp>
+        <p:nvSpPr>
+          <p:cNvPr id="14" name="テキスト ボックス 13"/>
+          <p:cNvSpPr txBox="1"/>
+          <p:nvPr/>
+        </p:nvSpPr>
+        <p:spPr>
+          <a:xfrm>
+            <a:off x="2825279" y="2115604"/>
+            <a:ext cx="615553" cy="2210829"/>
+          </a:xfrm>
+          <a:prstGeom prst="rect">
+            <a:avLst/>
+          </a:prstGeom>
+          <a:noFill/>
+        </p:spPr>
+        <p:txBody>
+          <a:bodyPr vert="eaVert" wrap="square" rtlCol="0">
+            <a:spAutoFit/>
+          </a:bodyPr>
+          <a:lstStyle/>
+          <a:p>
+            <a:pPr algn="ctr"/>
+            <a:r>
+              <a:rPr kumimoji="1" lang="en-US" altLang="ja-JP" sz="1400" dirty="0" smtClean="0"/>
+              <a:t>Shuffle</a:t>
+            </a:r>
+            <a:br>
+              <a:rPr kumimoji="1" lang="en-US" altLang="ja-JP" sz="1400" dirty="0" smtClean="0"/>
+            </a:br>
+            <a:r>
+              <a:rPr kumimoji="1" lang="en-US" altLang="ja-JP" sz="1400" dirty="0" smtClean="0"/>
+              <a:t>Grouping</a:t>
+            </a:r>
+            <a:endParaRPr kumimoji="1" lang="ja-JP" altLang="en-US" sz="1400" dirty="0"/>
+          </a:p>
+        </p:txBody>
+      </p:sp>
+      <p:sp>
+        <p:nvSpPr>
+          <p:cNvPr id="15" name="円/楕円 14"/>
+          <p:cNvSpPr/>
+          <p:nvPr/>
+        </p:nvSpPr>
+        <p:spPr bwMode="auto">
+          <a:xfrm>
+            <a:off x="5457056" y="2788144"/>
+            <a:ext cx="936104" cy="755994"/>
+          </a:xfrm>
+          <a:prstGeom prst="ellipse">
+            <a:avLst/>
+          </a:prstGeom>
+          <a:ln>
+            <a:headEnd type="none" w="med" len="med"/>
+            <a:tailEnd type="none" w="med" len="med"/>
+          </a:ln>
+        </p:spPr>
+        <p:style>
+          <a:lnRef idx="1">
+            <a:schemeClr val="accent1"/>
+          </a:lnRef>
+          <a:fillRef idx="2">
+            <a:schemeClr val="accent1"/>
+          </a:fillRef>
+          <a:effectRef idx="1">
+            <a:schemeClr val="accent1"/>
+          </a:effectRef>
+          <a:fontRef idx="minor">
+            <a:schemeClr val="dk1"/>
+          </a:fontRef>
+        </p:style>
+        <p:txBody>
+          <a:bodyPr vert="horz" wrap="none" lIns="91440" tIns="45720" rIns="91440" bIns="45720" numCol="1" rtlCol="0" anchor="ctr" anchorCtr="0" compatLnSpc="1">
+            <a:prstTxWarp prst="textNoShape">
+              <a:avLst/>
+            </a:prstTxWarp>
+            <a:noAutofit/>
+          </a:bodyPr>
+          <a:lstStyle/>
+          <a:p>
+            <a:pPr marL="0" marR="0" indent="0" algn="ctr" defTabSz="914400" rtl="0" eaLnBrk="1" fontAlgn="base" latinLnBrk="0" hangingPunct="1">
+              <a:lnSpc>
+                <a:spcPct val="100000"/>
+              </a:lnSpc>
+              <a:spcBef>
+                <a:spcPct val="50000"/>
+              </a:spcBef>
+              <a:spcAft>
+                <a:spcPct val="0"/>
+              </a:spcAft>
+              <a:buClrTx/>
+              <a:buSzTx/>
+              <a:buFontTx/>
+              <a:buNone/>
+              <a:tabLst/>
+            </a:pPr>
+            <a:r>
+              <a:rPr lang="ja-JP" altLang="en-US" sz="1400" b="1" dirty="0" smtClean="0">
+                <a:solidFill>
+                  <a:schemeClr val="tx1"/>
+                </a:solidFill>
+                <a:ea typeface="ＭＳ Ｐゴシック" pitchFamily="50" charset="-128"/>
+              </a:rPr>
+              <a:t>文章分割</a:t>
+            </a:r>
+            <a:r>
+              <a:rPr lang="en-US" altLang="ja-JP" sz="1400" b="1" dirty="0" smtClean="0">
+                <a:solidFill>
+                  <a:schemeClr val="tx1"/>
+                </a:solidFill>
+                <a:ea typeface="ＭＳ Ｐゴシック" pitchFamily="50" charset="-128"/>
+              </a:rPr>
+              <a:t/>
+            </a:r>
+            <a:br>
+              <a:rPr lang="en-US" altLang="ja-JP" sz="1400" b="1" dirty="0" smtClean="0">
+                <a:solidFill>
+                  <a:schemeClr val="tx1"/>
+                </a:solidFill>
+                <a:ea typeface="ＭＳ Ｐゴシック" pitchFamily="50" charset="-128"/>
+              </a:rPr>
+            </a:br>
+            <a:r>
+              <a:rPr lang="en-US" altLang="ja-JP" sz="1400" b="1" dirty="0" smtClean="0">
+                <a:solidFill>
+                  <a:schemeClr val="tx1"/>
+                </a:solidFill>
+                <a:ea typeface="ＭＳ Ｐゴシック" pitchFamily="50" charset="-128"/>
+              </a:rPr>
+              <a:t>Bolt</a:t>
+            </a:r>
+          </a:p>
+        </p:txBody>
+      </p:sp>
+      <p:sp>
+        <p:nvSpPr>
+          <p:cNvPr id="16" name="円/楕円 15"/>
+          <p:cNvSpPr/>
+          <p:nvPr/>
+        </p:nvSpPr>
+        <p:spPr bwMode="auto">
+          <a:xfrm>
+            <a:off x="5434365" y="1772816"/>
+            <a:ext cx="936104" cy="755994"/>
+          </a:xfrm>
+          <a:prstGeom prst="ellipse">
+            <a:avLst/>
+          </a:prstGeom>
+          <a:ln>
+            <a:headEnd type="none" w="med" len="med"/>
+            <a:tailEnd type="none" w="med" len="med"/>
+          </a:ln>
+        </p:spPr>
+        <p:style>
+          <a:lnRef idx="1">
+            <a:schemeClr val="accent1"/>
+          </a:lnRef>
+          <a:fillRef idx="2">
+            <a:schemeClr val="accent1"/>
+          </a:fillRef>
+          <a:effectRef idx="1">
+            <a:schemeClr val="accent1"/>
+          </a:effectRef>
+          <a:fontRef idx="minor">
+            <a:schemeClr val="dk1"/>
+          </a:fontRef>
+        </p:style>
+        <p:txBody>
+          <a:bodyPr vert="horz" wrap="none" lIns="91440" tIns="45720" rIns="91440" bIns="45720" numCol="1" rtlCol="0" anchor="ctr" anchorCtr="0" compatLnSpc="1">
+            <a:prstTxWarp prst="textNoShape">
+              <a:avLst/>
+            </a:prstTxWarp>
+            <a:noAutofit/>
+          </a:bodyPr>
+          <a:lstStyle/>
+          <a:p>
+            <a:pPr marL="0" marR="0" indent="0" algn="ctr" defTabSz="914400" rtl="0" eaLnBrk="1" fontAlgn="base" latinLnBrk="0" hangingPunct="1">
+              <a:lnSpc>
+                <a:spcPct val="100000"/>
+              </a:lnSpc>
+              <a:spcBef>
+                <a:spcPct val="50000"/>
+              </a:spcBef>
+              <a:spcAft>
+                <a:spcPct val="0"/>
+              </a:spcAft>
+              <a:buClrTx/>
+              <a:buSzTx/>
+              <a:buFontTx/>
+              <a:buNone/>
+              <a:tabLst/>
+            </a:pPr>
+            <a:r>
+              <a:rPr lang="ja-JP" altLang="en-US" sz="1400" b="1" dirty="0" smtClean="0">
+                <a:solidFill>
+                  <a:schemeClr val="tx1"/>
+                </a:solidFill>
+                <a:ea typeface="ＭＳ Ｐゴシック" pitchFamily="50" charset="-128"/>
+              </a:rPr>
+              <a:t>文章</a:t>
+            </a:r>
+            <a:r>
+              <a:rPr lang="ja-JP" altLang="en-US" sz="1400" b="1" dirty="0">
+                <a:solidFill>
+                  <a:schemeClr val="tx1"/>
+                </a:solidFill>
+                <a:ea typeface="ＭＳ Ｐゴシック" pitchFamily="50" charset="-128"/>
+              </a:rPr>
+              <a:t>分割</a:t>
+            </a:r>
+            <a:r>
+              <a:rPr lang="en-US" altLang="ja-JP" sz="1400" b="1" dirty="0">
+                <a:solidFill>
+                  <a:schemeClr val="tx1"/>
+                </a:solidFill>
+                <a:ea typeface="ＭＳ Ｐゴシック" pitchFamily="50" charset="-128"/>
+              </a:rPr>
+              <a:t/>
+            </a:r>
+            <a:br>
+              <a:rPr lang="en-US" altLang="ja-JP" sz="1400" b="1" dirty="0">
+                <a:solidFill>
+                  <a:schemeClr val="tx1"/>
+                </a:solidFill>
+                <a:ea typeface="ＭＳ Ｐゴシック" pitchFamily="50" charset="-128"/>
+              </a:rPr>
+            </a:br>
+            <a:r>
+              <a:rPr lang="en-US" altLang="ja-JP" sz="1400" b="1" dirty="0" smtClean="0">
+                <a:solidFill>
+                  <a:schemeClr val="tx1"/>
+                </a:solidFill>
+                <a:ea typeface="ＭＳ Ｐゴシック" pitchFamily="50" charset="-128"/>
+              </a:rPr>
+              <a:t>Bolt</a:t>
+            </a:r>
+          </a:p>
+        </p:txBody>
+      </p:sp>
+      <p:sp>
+        <p:nvSpPr>
+          <p:cNvPr id="17" name="円/楕円 16"/>
+          <p:cNvSpPr/>
+          <p:nvPr/>
+        </p:nvSpPr>
+        <p:spPr bwMode="auto">
+          <a:xfrm>
+            <a:off x="5434365" y="3789040"/>
+            <a:ext cx="936104" cy="755994"/>
+          </a:xfrm>
+          <a:prstGeom prst="ellipse">
+            <a:avLst/>
+          </a:prstGeom>
+          <a:ln>
+            <a:headEnd type="none" w="med" len="med"/>
+            <a:tailEnd type="none" w="med" len="med"/>
+          </a:ln>
+        </p:spPr>
+        <p:style>
+          <a:lnRef idx="1">
+            <a:schemeClr val="accent1"/>
+          </a:lnRef>
+          <a:fillRef idx="2">
+            <a:schemeClr val="accent1"/>
+          </a:fillRef>
+          <a:effectRef idx="1">
+            <a:schemeClr val="accent1"/>
+          </a:effectRef>
+          <a:fontRef idx="minor">
+            <a:schemeClr val="dk1"/>
+          </a:fontRef>
+        </p:style>
+        <p:txBody>
+          <a:bodyPr vert="horz" wrap="none" lIns="91440" tIns="45720" rIns="91440" bIns="45720" numCol="1" rtlCol="0" anchor="ctr" anchorCtr="0" compatLnSpc="1">
+            <a:prstTxWarp prst="textNoShape">
+              <a:avLst/>
+            </a:prstTxWarp>
+            <a:noAutofit/>
+          </a:bodyPr>
+          <a:lstStyle/>
+          <a:p>
+            <a:pPr marL="0" marR="0" indent="0" algn="ctr" defTabSz="914400" rtl="0" eaLnBrk="1" fontAlgn="base" latinLnBrk="0" hangingPunct="1">
+              <a:lnSpc>
+                <a:spcPct val="100000"/>
+              </a:lnSpc>
+              <a:spcBef>
+                <a:spcPct val="50000"/>
+              </a:spcBef>
+              <a:spcAft>
+                <a:spcPct val="0"/>
+              </a:spcAft>
+              <a:buClrTx/>
+              <a:buSzTx/>
+              <a:buFontTx/>
+              <a:buNone/>
+              <a:tabLst/>
+            </a:pPr>
+            <a:r>
+              <a:rPr lang="ja-JP" altLang="en-US" sz="1400" b="1" dirty="0" smtClean="0">
+                <a:solidFill>
+                  <a:schemeClr val="tx1"/>
+                </a:solidFill>
+                <a:ea typeface="ＭＳ Ｐゴシック" pitchFamily="50" charset="-128"/>
+              </a:rPr>
+              <a:t>文章</a:t>
+            </a:r>
+            <a:r>
+              <a:rPr lang="ja-JP" altLang="en-US" sz="1400" b="1" dirty="0">
+                <a:solidFill>
+                  <a:schemeClr val="tx1"/>
+                </a:solidFill>
+                <a:ea typeface="ＭＳ Ｐゴシック" pitchFamily="50" charset="-128"/>
+              </a:rPr>
+              <a:t>分割</a:t>
+            </a:r>
+            <a:r>
+              <a:rPr lang="en-US" altLang="ja-JP" sz="1400" b="1" dirty="0">
+                <a:solidFill>
+                  <a:schemeClr val="tx1"/>
+                </a:solidFill>
+                <a:ea typeface="ＭＳ Ｐゴシック" pitchFamily="50" charset="-128"/>
+              </a:rPr>
+              <a:t/>
+            </a:r>
+            <a:br>
+              <a:rPr lang="en-US" altLang="ja-JP" sz="1400" b="1" dirty="0">
+                <a:solidFill>
+                  <a:schemeClr val="tx1"/>
+                </a:solidFill>
+                <a:ea typeface="ＭＳ Ｐゴシック" pitchFamily="50" charset="-128"/>
+              </a:rPr>
+            </a:br>
+            <a:r>
+              <a:rPr lang="en-US" altLang="ja-JP" sz="1400" b="1" dirty="0" smtClean="0">
+                <a:solidFill>
+                  <a:schemeClr val="tx1"/>
+                </a:solidFill>
+                <a:ea typeface="ＭＳ Ｐゴシック" pitchFamily="50" charset="-128"/>
+              </a:rPr>
+              <a:t>Bolt</a:t>
+            </a:r>
+          </a:p>
+        </p:txBody>
+      </p:sp>
+      <p:sp>
+        <p:nvSpPr>
+          <p:cNvPr id="18" name="右矢印 17"/>
+          <p:cNvSpPr/>
+          <p:nvPr/>
+        </p:nvSpPr>
+        <p:spPr bwMode="auto">
+          <a:xfrm>
+            <a:off x="4687659" y="2219821"/>
+            <a:ext cx="697389" cy="1944216"/>
+          </a:xfrm>
+          <a:prstGeom prst="rightArrow">
+            <a:avLst/>
+          </a:prstGeom>
+          <a:ln>
+            <a:headEnd type="none" w="med" len="med"/>
+            <a:tailEnd type="none" w="med" len="med"/>
+          </a:ln>
+        </p:spPr>
+        <p:style>
+          <a:lnRef idx="2">
+            <a:schemeClr val="accent5">
+              <a:shade val="50000"/>
+            </a:schemeClr>
+          </a:lnRef>
+          <a:fillRef idx="1">
+            <a:schemeClr val="accent5"/>
+          </a:fillRef>
+          <a:effectRef idx="0">
+            <a:schemeClr val="accent5"/>
+          </a:effectRef>
+          <a:fontRef idx="minor">
+            <a:schemeClr val="lt1"/>
+          </a:fontRef>
+        </p:style>
+        <p:txBody>
+          <a:bodyPr vert="horz" wrap="square" lIns="91440" tIns="45720" rIns="91440" bIns="45720" numCol="1" rtlCol="0" anchor="ctr" anchorCtr="0" compatLnSpc="1">
+            <a:prstTxWarp prst="textNoShape">
+              <a:avLst/>
+            </a:prstTxWarp>
+            <a:noAutofit/>
+          </a:bodyPr>
+          <a:lstStyle/>
+          <a:p>
+            <a:pPr marL="0" marR="0" indent="0" algn="l" defTabSz="914400" rtl="0" eaLnBrk="1" fontAlgn="base" latinLnBrk="0" hangingPunct="1">
+              <a:lnSpc>
+                <a:spcPct val="100000"/>
+              </a:lnSpc>
+              <a:spcBef>
+                <a:spcPct val="50000"/>
+              </a:spcBef>
+              <a:spcAft>
+                <a:spcPct val="0"/>
+              </a:spcAft>
+              <a:buClrTx/>
+              <a:buSzTx/>
+              <a:buFontTx/>
+              <a:buNone/>
+              <a:tabLst/>
+            </a:pPr>
+            <a:endParaRPr kumimoji="1" lang="en-US" altLang="ja-JP" sz="1050" b="0" i="0" u="none" strike="noStrike" cap="none" normalizeH="0" baseline="0" dirty="0" smtClean="0">
+              <a:ln>
+                <a:noFill/>
+              </a:ln>
+              <a:solidFill>
+                <a:schemeClr val="tx1"/>
+              </a:solidFill>
+              <a:effectLst/>
+              <a:ea typeface="ＭＳ Ｐゴシック" pitchFamily="50" charset="-128"/>
+            </a:endParaRPr>
+          </a:p>
+        </p:txBody>
+      </p:sp>
+      <p:sp>
+        <p:nvSpPr>
+          <p:cNvPr id="19" name="テキスト ボックス 18"/>
+          <p:cNvSpPr txBox="1"/>
+          <p:nvPr/>
+        </p:nvSpPr>
+        <p:spPr>
+          <a:xfrm>
+            <a:off x="4641206" y="2112604"/>
+            <a:ext cx="615553" cy="2210829"/>
+          </a:xfrm>
+          <a:prstGeom prst="rect">
+            <a:avLst/>
+          </a:prstGeom>
+          <a:noFill/>
+        </p:spPr>
+        <p:txBody>
+          <a:bodyPr vert="eaVert" wrap="square" rtlCol="0">
+            <a:spAutoFit/>
+          </a:bodyPr>
+          <a:lstStyle/>
+          <a:p>
+            <a:pPr algn="ctr"/>
+            <a:r>
+              <a:rPr kumimoji="1" lang="en-US" altLang="ja-JP" sz="1400" dirty="0" smtClean="0"/>
+              <a:t>Shuffle</a:t>
+            </a:r>
+            <a:br>
+              <a:rPr kumimoji="1" lang="en-US" altLang="ja-JP" sz="1400" dirty="0" smtClean="0"/>
+            </a:br>
+            <a:r>
+              <a:rPr kumimoji="1" lang="en-US" altLang="ja-JP" sz="1400" dirty="0" smtClean="0"/>
+              <a:t>Grouping</a:t>
+            </a:r>
+            <a:endParaRPr kumimoji="1" lang="ja-JP" altLang="en-US" sz="1400" dirty="0"/>
+          </a:p>
+        </p:txBody>
+      </p:sp>
+      <p:sp>
+        <p:nvSpPr>
+          <p:cNvPr id="20" name="円/楕円 19"/>
+          <p:cNvSpPr/>
+          <p:nvPr/>
+        </p:nvSpPr>
+        <p:spPr bwMode="auto">
+          <a:xfrm>
+            <a:off x="7423963" y="2788144"/>
+            <a:ext cx="936104" cy="755994"/>
+          </a:xfrm>
+          <a:prstGeom prst="ellipse">
+            <a:avLst/>
+          </a:prstGeom>
+          <a:ln>
+            <a:headEnd type="none" w="med" len="med"/>
+            <a:tailEnd type="none" w="med" len="med"/>
+          </a:ln>
+        </p:spPr>
+        <p:style>
+          <a:lnRef idx="1">
+            <a:schemeClr val="accent1"/>
+          </a:lnRef>
+          <a:fillRef idx="2">
+            <a:schemeClr val="accent1"/>
+          </a:fillRef>
+          <a:effectRef idx="1">
+            <a:schemeClr val="accent1"/>
+          </a:effectRef>
+          <a:fontRef idx="minor">
+            <a:schemeClr val="dk1"/>
+          </a:fontRef>
+        </p:style>
+        <p:txBody>
+          <a:bodyPr vert="horz" wrap="none" lIns="91440" tIns="45720" rIns="91440" bIns="45720" numCol="1" rtlCol="0" anchor="ctr" anchorCtr="0" compatLnSpc="1">
+            <a:prstTxWarp prst="textNoShape">
+              <a:avLst/>
+            </a:prstTxWarp>
+            <a:noAutofit/>
+          </a:bodyPr>
+          <a:lstStyle/>
+          <a:p>
+            <a:pPr marL="0" marR="0" indent="0" algn="ctr" defTabSz="914400" rtl="0" eaLnBrk="1" fontAlgn="base" latinLnBrk="0" hangingPunct="1">
+              <a:lnSpc>
+                <a:spcPct val="100000"/>
+              </a:lnSpc>
+              <a:spcBef>
+                <a:spcPct val="50000"/>
+              </a:spcBef>
+              <a:spcAft>
+                <a:spcPct val="0"/>
+              </a:spcAft>
+              <a:buClrTx/>
+              <a:buSzTx/>
+              <a:buFontTx/>
+              <a:buNone/>
+              <a:tabLst/>
+            </a:pPr>
+            <a:r>
+              <a:rPr lang="ja-JP" altLang="en-US" sz="1400" b="1" dirty="0">
+                <a:solidFill>
+                  <a:schemeClr val="tx1"/>
+                </a:solidFill>
+                <a:ea typeface="ＭＳ Ｐゴシック" pitchFamily="50" charset="-128"/>
+              </a:rPr>
+              <a:t>カウント</a:t>
+            </a:r>
+            <a:r>
+              <a:rPr lang="en-US" altLang="ja-JP" sz="1400" b="1" dirty="0" smtClean="0">
+                <a:solidFill>
+                  <a:schemeClr val="tx1"/>
+                </a:solidFill>
+                <a:ea typeface="ＭＳ Ｐゴシック" pitchFamily="50" charset="-128"/>
+              </a:rPr>
+              <a:t/>
+            </a:r>
+            <a:br>
+              <a:rPr lang="en-US" altLang="ja-JP" sz="1400" b="1" dirty="0" smtClean="0">
+                <a:solidFill>
+                  <a:schemeClr val="tx1"/>
+                </a:solidFill>
+                <a:ea typeface="ＭＳ Ｐゴシック" pitchFamily="50" charset="-128"/>
+              </a:rPr>
+            </a:br>
+            <a:r>
+              <a:rPr lang="en-US" altLang="ja-JP" sz="1400" b="1" dirty="0" smtClean="0">
+                <a:solidFill>
+                  <a:schemeClr val="tx1"/>
+                </a:solidFill>
+                <a:ea typeface="ＭＳ Ｐゴシック" pitchFamily="50" charset="-128"/>
+              </a:rPr>
+              <a:t>Bolt</a:t>
+            </a:r>
+          </a:p>
+        </p:txBody>
+      </p:sp>
+      <p:sp>
+        <p:nvSpPr>
+          <p:cNvPr id="21" name="円/楕円 20"/>
+          <p:cNvSpPr/>
+          <p:nvPr/>
+        </p:nvSpPr>
+        <p:spPr bwMode="auto">
+          <a:xfrm>
+            <a:off x="7401272" y="1772816"/>
+            <a:ext cx="936104" cy="755994"/>
+          </a:xfrm>
+          <a:prstGeom prst="ellipse">
+            <a:avLst/>
+          </a:prstGeom>
+          <a:ln>
+            <a:headEnd type="none" w="med" len="med"/>
+            <a:tailEnd type="none" w="med" len="med"/>
+          </a:ln>
+        </p:spPr>
+        <p:style>
+          <a:lnRef idx="1">
+            <a:schemeClr val="accent1"/>
+          </a:lnRef>
+          <a:fillRef idx="2">
+            <a:schemeClr val="accent1"/>
+          </a:fillRef>
+          <a:effectRef idx="1">
+            <a:schemeClr val="accent1"/>
+          </a:effectRef>
+          <a:fontRef idx="minor">
+            <a:schemeClr val="dk1"/>
+          </a:fontRef>
+        </p:style>
+        <p:txBody>
+          <a:bodyPr vert="horz" wrap="none" lIns="91440" tIns="45720" rIns="91440" bIns="45720" numCol="1" rtlCol="0" anchor="ctr" anchorCtr="0" compatLnSpc="1">
+            <a:prstTxWarp prst="textNoShape">
+              <a:avLst/>
+            </a:prstTxWarp>
+            <a:noAutofit/>
+          </a:bodyPr>
+          <a:lstStyle/>
+          <a:p>
+            <a:pPr marL="0" marR="0" indent="0" algn="ctr" defTabSz="914400" rtl="0" eaLnBrk="1" fontAlgn="base" latinLnBrk="0" hangingPunct="1">
+              <a:lnSpc>
+                <a:spcPct val="100000"/>
+              </a:lnSpc>
+              <a:spcBef>
+                <a:spcPct val="50000"/>
+              </a:spcBef>
+              <a:spcAft>
+                <a:spcPct val="0"/>
+              </a:spcAft>
+              <a:buClrTx/>
+              <a:buSzTx/>
+              <a:buFontTx/>
+              <a:buNone/>
+              <a:tabLst/>
+            </a:pPr>
+            <a:r>
+              <a:rPr lang="ja-JP" altLang="en-US" sz="1400" b="1" dirty="0">
+                <a:solidFill>
+                  <a:schemeClr val="tx1"/>
+                </a:solidFill>
+                <a:ea typeface="ＭＳ Ｐゴシック" pitchFamily="50" charset="-128"/>
+              </a:rPr>
+              <a:t>カウント</a:t>
+            </a:r>
+            <a:r>
+              <a:rPr lang="en-US" altLang="ja-JP" sz="1400" b="1" dirty="0">
+                <a:solidFill>
+                  <a:schemeClr val="tx1"/>
+                </a:solidFill>
+                <a:ea typeface="ＭＳ Ｐゴシック" pitchFamily="50" charset="-128"/>
+              </a:rPr>
+              <a:t/>
+            </a:r>
+            <a:br>
+              <a:rPr lang="en-US" altLang="ja-JP" sz="1400" b="1" dirty="0">
+                <a:solidFill>
+                  <a:schemeClr val="tx1"/>
+                </a:solidFill>
+                <a:ea typeface="ＭＳ Ｐゴシック" pitchFamily="50" charset="-128"/>
+              </a:rPr>
+            </a:br>
+            <a:r>
+              <a:rPr lang="en-US" altLang="ja-JP" sz="1400" b="1" dirty="0" smtClean="0">
+                <a:solidFill>
+                  <a:schemeClr val="tx1"/>
+                </a:solidFill>
+                <a:ea typeface="ＭＳ Ｐゴシック" pitchFamily="50" charset="-128"/>
+              </a:rPr>
+              <a:t>Bolt</a:t>
+            </a:r>
+          </a:p>
+        </p:txBody>
+      </p:sp>
+      <p:sp>
+        <p:nvSpPr>
+          <p:cNvPr id="22" name="円/楕円 21"/>
+          <p:cNvSpPr/>
+          <p:nvPr/>
+        </p:nvSpPr>
+        <p:spPr bwMode="auto">
+          <a:xfrm>
+            <a:off x="7401272" y="3789040"/>
+            <a:ext cx="936104" cy="755994"/>
+          </a:xfrm>
+          <a:prstGeom prst="ellipse">
+            <a:avLst/>
+          </a:prstGeom>
+          <a:ln>
+            <a:headEnd type="none" w="med" len="med"/>
+            <a:tailEnd type="none" w="med" len="med"/>
+          </a:ln>
+        </p:spPr>
+        <p:style>
+          <a:lnRef idx="1">
+            <a:schemeClr val="accent1"/>
+          </a:lnRef>
+          <a:fillRef idx="2">
+            <a:schemeClr val="accent1"/>
+          </a:fillRef>
+          <a:effectRef idx="1">
+            <a:schemeClr val="accent1"/>
+          </a:effectRef>
+          <a:fontRef idx="minor">
+            <a:schemeClr val="dk1"/>
+          </a:fontRef>
+        </p:style>
+        <p:txBody>
+          <a:bodyPr vert="horz" wrap="none" lIns="91440" tIns="45720" rIns="91440" bIns="45720" numCol="1" rtlCol="0" anchor="ctr" anchorCtr="0" compatLnSpc="1">
+            <a:prstTxWarp prst="textNoShape">
+              <a:avLst/>
+            </a:prstTxWarp>
+            <a:noAutofit/>
+          </a:bodyPr>
+          <a:lstStyle/>
+          <a:p>
+            <a:pPr marL="0" marR="0" indent="0" algn="ctr" defTabSz="914400" rtl="0" eaLnBrk="1" fontAlgn="base" latinLnBrk="0" hangingPunct="1">
+              <a:lnSpc>
+                <a:spcPct val="100000"/>
+              </a:lnSpc>
+              <a:spcBef>
+                <a:spcPct val="50000"/>
+              </a:spcBef>
+              <a:spcAft>
+                <a:spcPct val="0"/>
+              </a:spcAft>
+              <a:buClrTx/>
+              <a:buSzTx/>
+              <a:buFontTx/>
+              <a:buNone/>
+              <a:tabLst/>
+            </a:pPr>
+            <a:r>
+              <a:rPr lang="ja-JP" altLang="en-US" sz="1400" b="1" dirty="0">
+                <a:solidFill>
+                  <a:schemeClr val="tx1"/>
+                </a:solidFill>
+                <a:ea typeface="ＭＳ Ｐゴシック" pitchFamily="50" charset="-128"/>
+              </a:rPr>
+              <a:t>カウント</a:t>
+            </a:r>
+            <a:r>
+              <a:rPr lang="en-US" altLang="ja-JP" sz="1400" b="1" dirty="0">
+                <a:solidFill>
+                  <a:schemeClr val="tx1"/>
+                </a:solidFill>
+                <a:ea typeface="ＭＳ Ｐゴシック" pitchFamily="50" charset="-128"/>
+              </a:rPr>
+              <a:t/>
+            </a:r>
+            <a:br>
+              <a:rPr lang="en-US" altLang="ja-JP" sz="1400" b="1" dirty="0">
+                <a:solidFill>
+                  <a:schemeClr val="tx1"/>
+                </a:solidFill>
+                <a:ea typeface="ＭＳ Ｐゴシック" pitchFamily="50" charset="-128"/>
+              </a:rPr>
+            </a:br>
+            <a:r>
+              <a:rPr lang="en-US" altLang="ja-JP" sz="1400" b="1" dirty="0" smtClean="0">
+                <a:solidFill>
+                  <a:schemeClr val="tx1"/>
+                </a:solidFill>
+                <a:ea typeface="ＭＳ Ｐゴシック" pitchFamily="50" charset="-128"/>
+              </a:rPr>
+              <a:t>Bolt</a:t>
+            </a:r>
+          </a:p>
+        </p:txBody>
+      </p:sp>
+      <p:sp>
+        <p:nvSpPr>
+          <p:cNvPr id="23" name="右矢印 22"/>
+          <p:cNvSpPr/>
+          <p:nvPr/>
+        </p:nvSpPr>
+        <p:spPr bwMode="auto">
+          <a:xfrm>
+            <a:off x="6631875" y="2211195"/>
+            <a:ext cx="697389" cy="1944216"/>
+          </a:xfrm>
+          <a:prstGeom prst="rightArrow">
+            <a:avLst/>
+          </a:prstGeom>
+          <a:ln>
+            <a:headEnd type="none" w="med" len="med"/>
+            <a:tailEnd type="none" w="med" len="med"/>
+          </a:ln>
+        </p:spPr>
+        <p:style>
+          <a:lnRef idx="2">
+            <a:schemeClr val="accent6">
+              <a:shade val="50000"/>
+            </a:schemeClr>
+          </a:lnRef>
+          <a:fillRef idx="1">
+            <a:schemeClr val="accent6"/>
+          </a:fillRef>
+          <a:effectRef idx="0">
+            <a:schemeClr val="accent6"/>
+          </a:effectRef>
+          <a:fontRef idx="minor">
+            <a:schemeClr val="lt1"/>
+          </a:fontRef>
+        </p:style>
+        <p:txBody>
+          <a:bodyPr vert="horz" wrap="square" lIns="91440" tIns="45720" rIns="91440" bIns="45720" numCol="1" rtlCol="0" anchor="ctr" anchorCtr="0" compatLnSpc="1">
+            <a:prstTxWarp prst="textNoShape">
+              <a:avLst/>
+            </a:prstTxWarp>
+            <a:noAutofit/>
+          </a:bodyPr>
+          <a:lstStyle/>
+          <a:p>
+            <a:pPr marL="0" marR="0" indent="0" algn="l" defTabSz="914400" rtl="0" eaLnBrk="1" fontAlgn="base" latinLnBrk="0" hangingPunct="1">
+              <a:lnSpc>
+                <a:spcPct val="100000"/>
+              </a:lnSpc>
+              <a:spcBef>
+                <a:spcPct val="50000"/>
+              </a:spcBef>
+              <a:spcAft>
+                <a:spcPct val="0"/>
+              </a:spcAft>
+              <a:buClrTx/>
+              <a:buSzTx/>
+              <a:buFontTx/>
+              <a:buNone/>
+              <a:tabLst/>
+            </a:pPr>
+            <a:endParaRPr kumimoji="1" lang="en-US" altLang="ja-JP" sz="1050" b="0" i="0" u="none" strike="noStrike" cap="none" normalizeH="0" baseline="0" dirty="0" smtClean="0">
+              <a:ln>
+                <a:noFill/>
+              </a:ln>
+              <a:solidFill>
+                <a:schemeClr val="tx1"/>
+              </a:solidFill>
+              <a:effectLst/>
+              <a:ea typeface="ＭＳ Ｐゴシック" pitchFamily="50" charset="-128"/>
+            </a:endParaRPr>
+          </a:p>
+        </p:txBody>
+      </p:sp>
+      <p:sp>
+        <p:nvSpPr>
+          <p:cNvPr id="24" name="テキスト ボックス 23"/>
+          <p:cNvSpPr txBox="1"/>
+          <p:nvPr/>
+        </p:nvSpPr>
+        <p:spPr>
+          <a:xfrm>
+            <a:off x="6585422" y="2103978"/>
+            <a:ext cx="615553" cy="2210829"/>
+          </a:xfrm>
+          <a:prstGeom prst="rect">
+            <a:avLst/>
+          </a:prstGeom>
+          <a:noFill/>
+        </p:spPr>
+        <p:txBody>
+          <a:bodyPr vert="eaVert" wrap="square" rtlCol="0">
+            <a:spAutoFit/>
+          </a:bodyPr>
+          <a:lstStyle/>
+          <a:p>
+            <a:pPr algn="ctr"/>
+            <a:r>
+              <a:rPr lang="en-US" altLang="ja-JP" sz="1400" dirty="0" smtClean="0"/>
+              <a:t>Fields</a:t>
+            </a:r>
+            <a:r>
+              <a:rPr kumimoji="1" lang="en-US" altLang="ja-JP" sz="1400" dirty="0" smtClean="0"/>
+              <a:t/>
+            </a:r>
+            <a:br>
+              <a:rPr kumimoji="1" lang="en-US" altLang="ja-JP" sz="1400" dirty="0" smtClean="0"/>
+            </a:br>
+            <a:r>
+              <a:rPr kumimoji="1" lang="en-US" altLang="ja-JP" sz="1400" dirty="0" smtClean="0"/>
+              <a:t>Grouping</a:t>
+            </a:r>
+          </a:p>
+        </p:txBody>
+      </p:sp>
+      <p:sp>
+        <p:nvSpPr>
+          <p:cNvPr id="25" name="四角形吹き出し 24"/>
+          <p:cNvSpPr/>
+          <p:nvPr/>
+        </p:nvSpPr>
+        <p:spPr bwMode="auto">
+          <a:xfrm>
+            <a:off x="1475545" y="3792608"/>
+            <a:ext cx="1575072" cy="430887"/>
+          </a:xfrm>
+          <a:prstGeom prst="wedgeRectCallout">
+            <a:avLst>
+              <a:gd name="adj1" fmla="val 7450"/>
+              <a:gd name="adj2" fmla="val -139681"/>
+            </a:avLst>
+          </a:prstGeom>
+          <a:ln>
+            <a:headEnd type="none" w="med" len="med"/>
+            <a:tailEnd type="none" w="med" len="med"/>
+          </a:ln>
+        </p:spPr>
+        <p:style>
+          <a:lnRef idx="2">
+            <a:schemeClr val="accent2"/>
+          </a:lnRef>
+          <a:fillRef idx="1">
+            <a:schemeClr val="lt1"/>
+          </a:fillRef>
+          <a:effectRef idx="0">
+            <a:schemeClr val="accent2"/>
+          </a:effectRef>
+          <a:fontRef idx="minor">
+            <a:schemeClr val="dk1"/>
+          </a:fontRef>
+        </p:style>
+        <p:txBody>
+          <a:bodyPr vert="horz" wrap="square" lIns="91440" tIns="45720" rIns="91440" bIns="45720" numCol="1" rtlCol="0" anchor="ctr" anchorCtr="0" compatLnSpc="1">
+            <a:prstTxWarp prst="textNoShape">
+              <a:avLst/>
+            </a:prstTxWarp>
+            <a:spAutoFit/>
+          </a:bodyPr>
+          <a:lstStyle/>
+          <a:p>
+            <a:pPr marL="0" marR="0" indent="0" algn="l" defTabSz="914400" rtl="0" eaLnBrk="1" fontAlgn="base" latinLnBrk="0" hangingPunct="1">
+              <a:lnSpc>
+                <a:spcPct val="100000"/>
+              </a:lnSpc>
+              <a:spcBef>
+                <a:spcPct val="50000"/>
+              </a:spcBef>
+              <a:spcAft>
+                <a:spcPct val="0"/>
+              </a:spcAft>
+              <a:buClrTx/>
+              <a:buSzTx/>
+              <a:buFontTx/>
+              <a:buNone/>
+              <a:tabLst/>
+            </a:pPr>
+            <a:r>
+              <a:rPr kumimoji="1" lang="en-US" altLang="ja-JP" sz="1100" i="0" u="none" strike="noStrike" cap="none" normalizeH="0" baseline="0" dirty="0" err="1" smtClean="0">
+                <a:ln>
+                  <a:noFill/>
+                </a:ln>
+                <a:solidFill>
+                  <a:schemeClr val="tx1"/>
+                </a:solidFill>
+                <a:effectLst/>
+                <a:latin typeface="Verdana" pitchFamily="34" charset="0"/>
+                <a:ea typeface="ＭＳ Ｐゴシック" pitchFamily="50" charset="-128"/>
+              </a:rPr>
+              <a:t>HTTPGet</a:t>
+            </a:r>
+            <a:r>
+              <a:rPr kumimoji="1" lang="ja-JP" altLang="en-US" sz="1100" i="0" u="none" strike="noStrike" cap="none" normalizeH="0" baseline="0" dirty="0" smtClean="0">
+                <a:ln>
+                  <a:noFill/>
+                </a:ln>
+                <a:solidFill>
+                  <a:schemeClr val="tx1"/>
+                </a:solidFill>
+                <a:effectLst/>
+                <a:latin typeface="Verdana" pitchFamily="34" charset="0"/>
+                <a:ea typeface="ＭＳ Ｐゴシック" pitchFamily="50" charset="-128"/>
+              </a:rPr>
+              <a:t>で</a:t>
+            </a:r>
+            <a:r>
+              <a:rPr kumimoji="1" lang="en-US" altLang="ja-JP" sz="1100" i="0" u="none" strike="noStrike" cap="none" normalizeH="0" baseline="0" dirty="0" smtClean="0">
+                <a:ln>
+                  <a:noFill/>
+                </a:ln>
+                <a:solidFill>
+                  <a:schemeClr val="tx1"/>
+                </a:solidFill>
+                <a:effectLst/>
+                <a:latin typeface="Verdana" pitchFamily="34" charset="0"/>
+                <a:ea typeface="ＭＳ Ｐゴシック" pitchFamily="50" charset="-128"/>
+              </a:rPr>
+              <a:t>JSON</a:t>
+            </a:r>
+            <a:r>
+              <a:rPr kumimoji="1" lang="ja-JP" altLang="en-US" sz="1100" i="0" u="none" strike="noStrike" cap="none" normalizeH="0" baseline="0" dirty="0" smtClean="0">
+                <a:ln>
+                  <a:noFill/>
+                </a:ln>
+                <a:solidFill>
+                  <a:schemeClr val="tx1"/>
+                </a:solidFill>
+                <a:effectLst/>
+                <a:latin typeface="Verdana" pitchFamily="34" charset="0"/>
+                <a:ea typeface="ＭＳ Ｐゴシック" pitchFamily="50" charset="-128"/>
+              </a:rPr>
+              <a:t>形式のメッセージを取得</a:t>
+            </a:r>
+          </a:p>
+        </p:txBody>
+      </p:sp>
+      <p:sp>
+        <p:nvSpPr>
+          <p:cNvPr id="26" name="四角形吹き出し 25"/>
+          <p:cNvSpPr/>
+          <p:nvPr/>
+        </p:nvSpPr>
+        <p:spPr bwMode="auto">
+          <a:xfrm>
+            <a:off x="3133055" y="4869160"/>
+            <a:ext cx="1575072" cy="430887"/>
+          </a:xfrm>
+          <a:prstGeom prst="wedgeRectCallout">
+            <a:avLst>
+              <a:gd name="adj1" fmla="val 7450"/>
+              <a:gd name="adj2" fmla="val -139681"/>
+            </a:avLst>
+          </a:prstGeom>
+          <a:ln>
+            <a:headEnd type="none" w="med" len="med"/>
+            <a:tailEnd type="none" w="med" len="med"/>
+          </a:ln>
+        </p:spPr>
+        <p:style>
+          <a:lnRef idx="2">
+            <a:schemeClr val="accent2"/>
+          </a:lnRef>
+          <a:fillRef idx="1">
+            <a:schemeClr val="lt1"/>
+          </a:fillRef>
+          <a:effectRef idx="0">
+            <a:schemeClr val="accent2"/>
+          </a:effectRef>
+          <a:fontRef idx="minor">
+            <a:schemeClr val="dk1"/>
+          </a:fontRef>
+        </p:style>
+        <p:txBody>
+          <a:bodyPr vert="horz" wrap="square" lIns="91440" tIns="45720" rIns="91440" bIns="45720" numCol="1" rtlCol="0" anchor="ctr" anchorCtr="0" compatLnSpc="1">
+            <a:prstTxWarp prst="textNoShape">
+              <a:avLst/>
+            </a:prstTxWarp>
+            <a:spAutoFit/>
+          </a:bodyPr>
+          <a:lstStyle/>
+          <a:p>
+            <a:pPr marL="0" marR="0" indent="0" algn="l" defTabSz="914400" rtl="0" eaLnBrk="1" fontAlgn="base" latinLnBrk="0" hangingPunct="1">
+              <a:lnSpc>
+                <a:spcPct val="100000"/>
+              </a:lnSpc>
+              <a:spcBef>
+                <a:spcPct val="50000"/>
+              </a:spcBef>
+              <a:spcAft>
+                <a:spcPct val="0"/>
+              </a:spcAft>
+              <a:buClrTx/>
+              <a:buSzTx/>
+              <a:buFontTx/>
+              <a:buNone/>
+              <a:tabLst/>
+            </a:pPr>
+            <a:r>
+              <a:rPr kumimoji="1" lang="en-US" altLang="ja-JP" sz="1100" i="0" u="none" strike="noStrike" cap="none" normalizeH="0" baseline="0" dirty="0" smtClean="0">
+                <a:ln>
+                  <a:noFill/>
+                </a:ln>
+                <a:solidFill>
+                  <a:schemeClr val="tx1"/>
+                </a:solidFill>
+                <a:effectLst/>
+                <a:latin typeface="Verdana" pitchFamily="34" charset="0"/>
+                <a:ea typeface="ＭＳ Ｐゴシック" pitchFamily="50" charset="-128"/>
+              </a:rPr>
+              <a:t>JSON</a:t>
+            </a:r>
+            <a:r>
+              <a:rPr kumimoji="1" lang="ja-JP" altLang="en-US" sz="1100" i="0" u="none" strike="noStrike" cap="none" normalizeH="0" baseline="0" dirty="0" smtClean="0">
+                <a:ln>
+                  <a:noFill/>
+                </a:ln>
+                <a:solidFill>
+                  <a:schemeClr val="tx1"/>
+                </a:solidFill>
+                <a:effectLst/>
+                <a:latin typeface="Verdana" pitchFamily="34" charset="0"/>
+                <a:ea typeface="ＭＳ Ｐゴシック" pitchFamily="50" charset="-128"/>
+              </a:rPr>
+              <a:t>メッセージから</a:t>
+            </a:r>
+            <a:r>
+              <a:rPr kumimoji="1" lang="en-US" altLang="ja-JP" sz="1100" i="0" u="none" strike="noStrike" cap="none" normalizeH="0" baseline="0" dirty="0" smtClean="0">
+                <a:ln>
+                  <a:noFill/>
+                </a:ln>
+                <a:solidFill>
+                  <a:schemeClr val="tx1"/>
+                </a:solidFill>
+                <a:effectLst/>
+                <a:latin typeface="Verdana" pitchFamily="34" charset="0"/>
+                <a:ea typeface="ＭＳ Ｐゴシック" pitchFamily="50" charset="-128"/>
+              </a:rPr>
+              <a:t/>
+            </a:r>
+            <a:br>
+              <a:rPr kumimoji="1" lang="en-US" altLang="ja-JP" sz="1100" i="0" u="none" strike="noStrike" cap="none" normalizeH="0" baseline="0" dirty="0" smtClean="0">
+                <a:ln>
+                  <a:noFill/>
+                </a:ln>
+                <a:solidFill>
+                  <a:schemeClr val="tx1"/>
+                </a:solidFill>
+                <a:effectLst/>
+                <a:latin typeface="Verdana" pitchFamily="34" charset="0"/>
+                <a:ea typeface="ＭＳ Ｐゴシック" pitchFamily="50" charset="-128"/>
+              </a:rPr>
+            </a:br>
+            <a:r>
+              <a:rPr kumimoji="1" lang="ja-JP" altLang="en-US" sz="1100" i="0" u="none" strike="noStrike" cap="none" normalizeH="0" baseline="0" dirty="0" smtClean="0">
+                <a:ln>
+                  <a:noFill/>
+                </a:ln>
+                <a:solidFill>
+                  <a:schemeClr val="tx1"/>
+                </a:solidFill>
+                <a:effectLst/>
+                <a:latin typeface="Verdana" pitchFamily="34" charset="0"/>
+                <a:ea typeface="ＭＳ Ｐゴシック" pitchFamily="50" charset="-128"/>
+              </a:rPr>
+              <a:t>文章を抽出</a:t>
+            </a:r>
+          </a:p>
+        </p:txBody>
+      </p:sp>
+      <p:sp>
+        <p:nvSpPr>
+          <p:cNvPr id="27" name="四角形吹き出し 26"/>
+          <p:cNvSpPr/>
+          <p:nvPr/>
+        </p:nvSpPr>
+        <p:spPr bwMode="auto">
+          <a:xfrm>
+            <a:off x="5034112" y="4826840"/>
+            <a:ext cx="1575072" cy="515526"/>
+          </a:xfrm>
+          <a:prstGeom prst="wedgeRectCallout">
+            <a:avLst>
+              <a:gd name="adj1" fmla="val 4712"/>
+              <a:gd name="adj2" fmla="val -118321"/>
+            </a:avLst>
+          </a:prstGeom>
+          <a:ln>
+            <a:headEnd type="none" w="med" len="med"/>
+            <a:tailEnd type="none" w="med" len="med"/>
+          </a:ln>
+        </p:spPr>
+        <p:style>
+          <a:lnRef idx="2">
+            <a:schemeClr val="accent2"/>
+          </a:lnRef>
+          <a:fillRef idx="1">
+            <a:schemeClr val="lt1"/>
+          </a:fillRef>
+          <a:effectRef idx="0">
+            <a:schemeClr val="accent2"/>
+          </a:effectRef>
+          <a:fontRef idx="minor">
+            <a:schemeClr val="dk1"/>
+          </a:fontRef>
+        </p:style>
+        <p:txBody>
+          <a:bodyPr vert="horz" wrap="square" lIns="91440" tIns="45720" rIns="91440" bIns="45720" numCol="1" rtlCol="0" anchor="ctr" anchorCtr="0" compatLnSpc="1">
+            <a:prstTxWarp prst="textNoShape">
+              <a:avLst/>
+            </a:prstTxWarp>
+            <a:spAutoFit/>
+          </a:bodyPr>
+          <a:lstStyle/>
+          <a:p>
+            <a:pPr marL="0" marR="0" indent="0" algn="l" defTabSz="914400" rtl="0" eaLnBrk="1" fontAlgn="base" latinLnBrk="0" hangingPunct="1">
+              <a:lnSpc>
+                <a:spcPct val="100000"/>
+              </a:lnSpc>
+              <a:spcBef>
+                <a:spcPct val="50000"/>
+              </a:spcBef>
+              <a:spcAft>
+                <a:spcPct val="0"/>
+              </a:spcAft>
+              <a:buClrTx/>
+              <a:buSzTx/>
+              <a:buFontTx/>
+              <a:buNone/>
+              <a:tabLst/>
+            </a:pPr>
+            <a:r>
+              <a:rPr kumimoji="1" lang="ja-JP" altLang="en-US" sz="1100" i="0" u="none" strike="noStrike" cap="none" normalizeH="0" baseline="0" dirty="0" smtClean="0">
+                <a:ln>
+                  <a:noFill/>
+                </a:ln>
+                <a:solidFill>
+                  <a:schemeClr val="tx1"/>
+                </a:solidFill>
+                <a:effectLst/>
+                <a:latin typeface="Verdana" pitchFamily="34" charset="0"/>
+                <a:ea typeface="ＭＳ Ｐゴシック" pitchFamily="50" charset="-128"/>
+              </a:rPr>
+              <a:t>文章を単語単位に分割</a:t>
+            </a:r>
+            <a:endParaRPr kumimoji="1" lang="en-US" altLang="ja-JP" sz="1100" i="0" u="none" strike="noStrike" cap="none" normalizeH="0" baseline="0" dirty="0" smtClean="0">
+              <a:ln>
+                <a:noFill/>
+              </a:ln>
+              <a:solidFill>
+                <a:schemeClr val="tx1"/>
+              </a:solidFill>
+              <a:effectLst/>
+              <a:latin typeface="Verdana" pitchFamily="34" charset="0"/>
+              <a:ea typeface="ＭＳ Ｐゴシック" pitchFamily="50" charset="-128"/>
+            </a:endParaRPr>
+          </a:p>
+          <a:p>
+            <a:pPr marL="0" marR="0" indent="0" algn="l" defTabSz="914400" rtl="0" eaLnBrk="1" fontAlgn="base" latinLnBrk="0" hangingPunct="1">
+              <a:lnSpc>
+                <a:spcPct val="100000"/>
+              </a:lnSpc>
+              <a:spcBef>
+                <a:spcPct val="50000"/>
+              </a:spcBef>
+              <a:spcAft>
+                <a:spcPct val="0"/>
+              </a:spcAft>
+              <a:buClrTx/>
+              <a:buSzTx/>
+              <a:buFontTx/>
+              <a:buNone/>
+              <a:tabLst/>
+            </a:pPr>
+            <a:r>
+              <a:rPr kumimoji="1" lang="ja-JP" altLang="en-US" sz="1100" i="0" u="none" strike="noStrike" cap="none" normalizeH="0" baseline="0" dirty="0" smtClean="0">
+                <a:ln>
+                  <a:noFill/>
+                </a:ln>
+                <a:solidFill>
+                  <a:schemeClr val="tx1"/>
+                </a:solidFill>
+                <a:effectLst/>
+                <a:latin typeface="Verdana" pitchFamily="34" charset="0"/>
+                <a:ea typeface="ＭＳ Ｐゴシック" pitchFamily="50" charset="-128"/>
+              </a:rPr>
+              <a:t>小文字に統一</a:t>
+            </a:r>
+          </a:p>
+        </p:txBody>
+      </p:sp>
+      <p:sp>
+        <p:nvSpPr>
+          <p:cNvPr id="28" name="四角形吹き出し 27"/>
+          <p:cNvSpPr/>
+          <p:nvPr/>
+        </p:nvSpPr>
+        <p:spPr bwMode="auto">
+          <a:xfrm>
+            <a:off x="7329264" y="4879964"/>
+            <a:ext cx="1575072" cy="430887"/>
+          </a:xfrm>
+          <a:prstGeom prst="wedgeRectCallout">
+            <a:avLst>
+              <a:gd name="adj1" fmla="val -3503"/>
+              <a:gd name="adj2" fmla="val -138503"/>
+            </a:avLst>
+          </a:prstGeom>
+          <a:ln>
+            <a:headEnd type="none" w="med" len="med"/>
+            <a:tailEnd type="none" w="med" len="med"/>
+          </a:ln>
+        </p:spPr>
+        <p:style>
+          <a:lnRef idx="2">
+            <a:schemeClr val="accent2"/>
+          </a:lnRef>
+          <a:fillRef idx="1">
+            <a:schemeClr val="lt1"/>
+          </a:fillRef>
+          <a:effectRef idx="0">
+            <a:schemeClr val="accent2"/>
+          </a:effectRef>
+          <a:fontRef idx="minor">
+            <a:schemeClr val="dk1"/>
+          </a:fontRef>
+        </p:style>
+        <p:txBody>
+          <a:bodyPr vert="horz" wrap="square" lIns="91440" tIns="45720" rIns="91440" bIns="45720" numCol="1" rtlCol="0" anchor="ctr" anchorCtr="0" compatLnSpc="1">
+            <a:prstTxWarp prst="textNoShape">
+              <a:avLst/>
+            </a:prstTxWarp>
+            <a:spAutoFit/>
+          </a:bodyPr>
+          <a:lstStyle/>
+          <a:p>
+            <a:pPr marL="0" marR="0" indent="0" algn="l" defTabSz="914400" rtl="0" eaLnBrk="1" fontAlgn="base" latinLnBrk="0" hangingPunct="1">
+              <a:lnSpc>
+                <a:spcPct val="100000"/>
+              </a:lnSpc>
+              <a:spcBef>
+                <a:spcPct val="50000"/>
+              </a:spcBef>
+              <a:spcAft>
+                <a:spcPct val="0"/>
+              </a:spcAft>
+              <a:buClrTx/>
+              <a:buSzTx/>
+              <a:buFontTx/>
+              <a:buNone/>
+              <a:tabLst/>
+            </a:pPr>
+            <a:r>
+              <a:rPr kumimoji="1" lang="ja-JP" altLang="en-US" sz="1100" i="0" u="none" strike="noStrike" cap="none" normalizeH="0" baseline="0" dirty="0" smtClean="0">
+                <a:ln>
+                  <a:noFill/>
+                </a:ln>
+                <a:solidFill>
+                  <a:schemeClr val="tx1"/>
+                </a:solidFill>
+                <a:effectLst/>
+                <a:latin typeface="Verdana" pitchFamily="34" charset="0"/>
+                <a:ea typeface="ＭＳ Ｐゴシック" pitchFamily="50" charset="-128"/>
+              </a:rPr>
+              <a:t>単語ごとにカウント</a:t>
+            </a:r>
+            <a:r>
+              <a:rPr kumimoji="1" lang="en-US" altLang="ja-JP" sz="1100" i="0" u="none" strike="noStrike" cap="none" normalizeH="0" baseline="0" dirty="0" smtClean="0">
+                <a:ln>
+                  <a:noFill/>
+                </a:ln>
+                <a:solidFill>
+                  <a:schemeClr val="tx1"/>
+                </a:solidFill>
+                <a:effectLst/>
+                <a:latin typeface="Verdana" pitchFamily="34" charset="0"/>
+                <a:ea typeface="ＭＳ Ｐゴシック" pitchFamily="50" charset="-128"/>
+              </a:rPr>
+              <a:t/>
+            </a:r>
+            <a:br>
+              <a:rPr kumimoji="1" lang="en-US" altLang="ja-JP" sz="1100" i="0" u="none" strike="noStrike" cap="none" normalizeH="0" baseline="0" dirty="0" smtClean="0">
+                <a:ln>
+                  <a:noFill/>
+                </a:ln>
+                <a:solidFill>
+                  <a:schemeClr val="tx1"/>
+                </a:solidFill>
+                <a:effectLst/>
+                <a:latin typeface="Verdana" pitchFamily="34" charset="0"/>
+                <a:ea typeface="ＭＳ Ｐゴシック" pitchFamily="50" charset="-128"/>
+              </a:rPr>
+            </a:br>
+            <a:r>
+              <a:rPr kumimoji="1" lang="ja-JP" altLang="en-US" sz="1100" i="0" u="none" strike="noStrike" cap="none" normalizeH="0" baseline="0" dirty="0" smtClean="0">
+                <a:ln>
+                  <a:noFill/>
+                </a:ln>
+                <a:solidFill>
+                  <a:schemeClr val="tx1"/>
+                </a:solidFill>
+                <a:effectLst/>
+                <a:latin typeface="Verdana" pitchFamily="34" charset="0"/>
+                <a:ea typeface="ＭＳ Ｐゴシック" pitchFamily="50" charset="-128"/>
+              </a:rPr>
+              <a:t>結果をログ出力</a:t>
+            </a:r>
+          </a:p>
+        </p:txBody>
+      </p:sp>
+      <p:sp>
+        <p:nvSpPr>
+          <p:cNvPr id="29" name="四角形吹き出し 28"/>
+          <p:cNvSpPr/>
+          <p:nvPr/>
+        </p:nvSpPr>
+        <p:spPr bwMode="auto">
+          <a:xfrm>
+            <a:off x="6651003" y="811452"/>
+            <a:ext cx="1575072" cy="769441"/>
+          </a:xfrm>
+          <a:prstGeom prst="wedgeRectCallout">
+            <a:avLst>
+              <a:gd name="adj1" fmla="val -26506"/>
+              <a:gd name="adj2" fmla="val 166043"/>
+            </a:avLst>
+          </a:prstGeom>
+          <a:ln>
+            <a:headEnd type="none" w="med" len="med"/>
+            <a:tailEnd type="none" w="med" len="med"/>
+          </a:ln>
+        </p:spPr>
+        <p:style>
+          <a:lnRef idx="2">
+            <a:schemeClr val="accent4"/>
+          </a:lnRef>
+          <a:fillRef idx="1">
+            <a:schemeClr val="lt1"/>
+          </a:fillRef>
+          <a:effectRef idx="0">
+            <a:schemeClr val="accent4"/>
+          </a:effectRef>
+          <a:fontRef idx="minor">
+            <a:schemeClr val="dk1"/>
+          </a:fontRef>
+        </p:style>
+        <p:txBody>
+          <a:bodyPr vert="horz" wrap="square" lIns="91440" tIns="45720" rIns="91440" bIns="45720" numCol="1" rtlCol="0" anchor="ctr" anchorCtr="0" compatLnSpc="1">
+            <a:prstTxWarp prst="textNoShape">
+              <a:avLst/>
+            </a:prstTxWarp>
+            <a:spAutoFit/>
+          </a:bodyPr>
+          <a:lstStyle/>
+          <a:p>
+            <a:pPr marL="0" marR="0" indent="0" algn="l" defTabSz="914400" rtl="0" eaLnBrk="1" fontAlgn="base" latinLnBrk="0" hangingPunct="1">
+              <a:lnSpc>
+                <a:spcPct val="100000"/>
+              </a:lnSpc>
+              <a:spcBef>
+                <a:spcPct val="50000"/>
+              </a:spcBef>
+              <a:spcAft>
+                <a:spcPct val="0"/>
+              </a:spcAft>
+              <a:buClrTx/>
+              <a:buSzTx/>
+              <a:buFontTx/>
+              <a:buNone/>
+              <a:tabLst/>
+            </a:pPr>
+            <a:r>
+              <a:rPr kumimoji="1" lang="ja-JP" altLang="en-US" sz="1100" i="0" u="none" strike="noStrike" cap="none" normalizeH="0" baseline="0" dirty="0" smtClean="0">
+                <a:ln>
+                  <a:noFill/>
+                </a:ln>
+                <a:solidFill>
+                  <a:schemeClr val="tx1"/>
+                </a:solidFill>
+                <a:effectLst/>
+                <a:latin typeface="Verdana" pitchFamily="34" charset="0"/>
+                <a:ea typeface="ＭＳ Ｐゴシック" pitchFamily="50" charset="-128"/>
+              </a:rPr>
+              <a:t>単語でグルーピング</a:t>
+            </a:r>
+            <a:r>
+              <a:rPr kumimoji="1" lang="en-US" altLang="ja-JP" sz="1100" i="0" u="none" strike="noStrike" cap="none" normalizeH="0" baseline="0" dirty="0" smtClean="0">
+                <a:ln>
+                  <a:noFill/>
+                </a:ln>
+                <a:solidFill>
+                  <a:schemeClr val="tx1"/>
+                </a:solidFill>
+                <a:effectLst/>
+                <a:latin typeface="Verdana" pitchFamily="34" charset="0"/>
+                <a:ea typeface="ＭＳ Ｐゴシック" pitchFamily="50" charset="-128"/>
+              </a:rPr>
+              <a:t/>
+            </a:r>
+            <a:br>
+              <a:rPr kumimoji="1" lang="en-US" altLang="ja-JP" sz="1100" i="0" u="none" strike="noStrike" cap="none" normalizeH="0" baseline="0" dirty="0" smtClean="0">
+                <a:ln>
+                  <a:noFill/>
+                </a:ln>
+                <a:solidFill>
+                  <a:schemeClr val="tx1"/>
+                </a:solidFill>
+                <a:effectLst/>
+                <a:latin typeface="Verdana" pitchFamily="34" charset="0"/>
+                <a:ea typeface="ＭＳ Ｐゴシック" pitchFamily="50" charset="-128"/>
+              </a:rPr>
+            </a:br>
+            <a:r>
+              <a:rPr kumimoji="1" lang="ja-JP" altLang="en-US" sz="1100" i="0" u="none" strike="noStrike" cap="none" normalizeH="0" baseline="0" dirty="0" smtClean="0">
+                <a:ln>
+                  <a:noFill/>
+                </a:ln>
+                <a:solidFill>
+                  <a:schemeClr val="tx1"/>
+                </a:solidFill>
+                <a:effectLst/>
+                <a:latin typeface="Verdana" pitchFamily="34" charset="0"/>
+                <a:ea typeface="ＭＳ Ｐゴシック" pitchFamily="50" charset="-128"/>
+              </a:rPr>
+              <a:t>同じ単語は同じ</a:t>
+            </a:r>
+            <a:r>
+              <a:rPr lang="ja-JP" altLang="en-US" sz="1100" dirty="0" smtClean="0">
+                <a:solidFill>
+                  <a:schemeClr val="tx1"/>
+                </a:solidFill>
+                <a:latin typeface="Verdana" pitchFamily="34" charset="0"/>
+                <a:ea typeface="ＭＳ Ｐゴシック" pitchFamily="50" charset="-128"/>
+              </a:rPr>
+              <a:t>カウント</a:t>
+            </a:r>
+            <a:r>
+              <a:rPr lang="en-US" altLang="ja-JP" sz="1100" dirty="0" smtClean="0">
+                <a:solidFill>
+                  <a:schemeClr val="tx1"/>
+                </a:solidFill>
+                <a:latin typeface="Verdana" pitchFamily="34" charset="0"/>
+                <a:ea typeface="ＭＳ Ｐゴシック" pitchFamily="50" charset="-128"/>
+              </a:rPr>
+              <a:t>Bolt</a:t>
+            </a:r>
+            <a:r>
+              <a:rPr lang="ja-JP" altLang="en-US" sz="1100" dirty="0" smtClean="0">
+                <a:solidFill>
+                  <a:schemeClr val="tx1"/>
+                </a:solidFill>
+                <a:latin typeface="Verdana" pitchFamily="34" charset="0"/>
+                <a:ea typeface="ＭＳ Ｐゴシック" pitchFamily="50" charset="-128"/>
+              </a:rPr>
+              <a:t>スレッドに到達するようになる</a:t>
+            </a:r>
+            <a:endParaRPr kumimoji="1" lang="ja-JP" altLang="en-US" sz="1100" i="0" u="none" strike="noStrike" cap="none" normalizeH="0" baseline="0" dirty="0" smtClean="0">
+              <a:ln>
+                <a:noFill/>
+              </a:ln>
+              <a:solidFill>
+                <a:schemeClr val="tx1"/>
+              </a:solidFill>
+              <a:effectLst/>
+              <a:latin typeface="Verdana" pitchFamily="34" charset="0"/>
+              <a:ea typeface="ＭＳ Ｐゴシック" pitchFamily="50" charset="-128"/>
+            </a:endParaRPr>
+          </a:p>
+        </p:txBody>
+      </p:sp>
+    </p:spTree>
+    <p:extLst>
+      <p:ext uri="{BB962C8B-B14F-4D97-AF65-F5344CB8AC3E}">
+        <p14:creationId xmlns:p14="http://schemas.microsoft.com/office/powerpoint/2010/main" val="584307651"/>
+      </p:ext>
+    </p:extLst>
+  </p:cSld>
+  <p:clrMapOvr>
+    <a:masterClrMapping/>
+  </p:clrMapOvr>
 </p:sld>
 </file>
 
